--- a/RideBookingApplication.pptx
+++ b/RideBookingApplication.pptx
@@ -9,7 +9,16 @@
     <p:sldId id="257" r:id="rId3"/>
     <p:sldId id="258" r:id="rId4"/>
     <p:sldId id="259" r:id="rId5"/>
-    <p:sldId id="260" r:id="rId6"/>
+    <p:sldId id="267" r:id="rId6"/>
+    <p:sldId id="260" r:id="rId7"/>
+    <p:sldId id="261" r:id="rId8"/>
+    <p:sldId id="262" r:id="rId9"/>
+    <p:sldId id="263" r:id="rId10"/>
+    <p:sldId id="264" r:id="rId11"/>
+    <p:sldId id="265" r:id="rId12"/>
+    <p:sldId id="268" r:id="rId13"/>
+    <p:sldId id="266" r:id="rId14"/>
+    <p:sldId id="269" r:id="rId15"/>
   </p:sldIdLst>
   <p:sldSz cx="12192000" cy="6858000"/>
   <p:notesSz cx="6858000" cy="9144000"/>
@@ -108,6 +117,11 @@
       </a:defRPr>
     </a:lvl9pPr>
   </p:defaultTextStyle>
+  <p:extLst>
+    <p:ext uri="{EFAFB233-063F-42B5-8137-9DF3F51BA10A}">
+      <p15:sldGuideLst xmlns:p15="http://schemas.microsoft.com/office/powerpoint/2012/main"/>
+    </p:ext>
+  </p:extLst>
 </p:presentation>
 </file>
 
@@ -281,7 +295,7 @@
           <a:p>
             <a:fld id="{000EFD90-4C08-4AA0-B23F-31C50BF1DAEC}" type="datetimeFigureOut">
               <a:rPr lang="en-IN" smtClean="0"/>
-              <a:t>14-08-2023</a:t>
+              <a:t>15-08-2023</a:t>
             </a:fld>
             <a:endParaRPr lang="en-IN"/>
           </a:p>
@@ -548,7 +562,7 @@
           <a:p>
             <a:fld id="{000EFD90-4C08-4AA0-B23F-31C50BF1DAEC}" type="datetimeFigureOut">
               <a:rPr lang="en-IN" smtClean="0"/>
-              <a:t>14-08-2023</a:t>
+              <a:t>15-08-2023</a:t>
             </a:fld>
             <a:endParaRPr lang="en-IN"/>
           </a:p>
@@ -779,7 +793,7 @@
           <a:p>
             <a:fld id="{000EFD90-4C08-4AA0-B23F-31C50BF1DAEC}" type="datetimeFigureOut">
               <a:rPr lang="en-IN" smtClean="0"/>
-              <a:t>14-08-2023</a:t>
+              <a:t>15-08-2023</a:t>
             </a:fld>
             <a:endParaRPr lang="en-IN"/>
           </a:p>
@@ -1089,7 +1103,7 @@
           <a:p>
             <a:fld id="{000EFD90-4C08-4AA0-B23F-31C50BF1DAEC}" type="datetimeFigureOut">
               <a:rPr lang="en-IN" smtClean="0"/>
-              <a:t>14-08-2023</a:t>
+              <a:t>15-08-2023</a:t>
             </a:fld>
             <a:endParaRPr lang="en-IN"/>
           </a:p>
@@ -1562,7 +1576,7 @@
           <a:p>
             <a:fld id="{000EFD90-4C08-4AA0-B23F-31C50BF1DAEC}" type="datetimeFigureOut">
               <a:rPr lang="en-IN" smtClean="0"/>
-              <a:t>14-08-2023</a:t>
+              <a:t>15-08-2023</a:t>
             </a:fld>
             <a:endParaRPr lang="en-IN"/>
           </a:p>
@@ -2109,7 +2123,7 @@
           <a:p>
             <a:fld id="{000EFD90-4C08-4AA0-B23F-31C50BF1DAEC}" type="datetimeFigureOut">
               <a:rPr lang="en-IN" smtClean="0"/>
-              <a:t>14-08-2023</a:t>
+              <a:t>15-08-2023</a:t>
             </a:fld>
             <a:endParaRPr lang="en-IN"/>
           </a:p>
@@ -2883,7 +2897,7 @@
           <a:p>
             <a:fld id="{000EFD90-4C08-4AA0-B23F-31C50BF1DAEC}" type="datetimeFigureOut">
               <a:rPr lang="en-IN" smtClean="0"/>
-              <a:t>14-08-2023</a:t>
+              <a:t>15-08-2023</a:t>
             </a:fld>
             <a:endParaRPr lang="en-IN"/>
           </a:p>
@@ -3058,7 +3072,7 @@
           <a:p>
             <a:fld id="{000EFD90-4C08-4AA0-B23F-31C50BF1DAEC}" type="datetimeFigureOut">
               <a:rPr lang="en-IN" smtClean="0"/>
-              <a:t>14-08-2023</a:t>
+              <a:t>15-08-2023</a:t>
             </a:fld>
             <a:endParaRPr lang="en-IN"/>
           </a:p>
@@ -3281,7 +3295,7 @@
           <a:p>
             <a:fld id="{000EFD90-4C08-4AA0-B23F-31C50BF1DAEC}" type="datetimeFigureOut">
               <a:rPr lang="en-IN" smtClean="0"/>
-              <a:t>14-08-2023</a:t>
+              <a:t>15-08-2023</a:t>
             </a:fld>
             <a:endParaRPr lang="en-IN"/>
           </a:p>
@@ -3461,7 +3475,7 @@
           <a:p>
             <a:fld id="{000EFD90-4C08-4AA0-B23F-31C50BF1DAEC}" type="datetimeFigureOut">
               <a:rPr lang="en-IN" smtClean="0"/>
-              <a:t>14-08-2023</a:t>
+              <a:t>15-08-2023</a:t>
             </a:fld>
             <a:endParaRPr lang="en-IN"/>
           </a:p>
@@ -3750,7 +3764,7 @@
           <a:p>
             <a:fld id="{000EFD90-4C08-4AA0-B23F-31C50BF1DAEC}" type="datetimeFigureOut">
               <a:rPr lang="en-IN" smtClean="0"/>
-              <a:t>14-08-2023</a:t>
+              <a:t>15-08-2023</a:t>
             </a:fld>
             <a:endParaRPr lang="en-IN"/>
           </a:p>
@@ -3992,7 +4006,7 @@
           <a:p>
             <a:fld id="{000EFD90-4C08-4AA0-B23F-31C50BF1DAEC}" type="datetimeFigureOut">
               <a:rPr lang="en-IN" smtClean="0"/>
-              <a:t>14-08-2023</a:t>
+              <a:t>15-08-2023</a:t>
             </a:fld>
             <a:endParaRPr lang="en-IN"/>
           </a:p>
@@ -4371,7 +4385,7 @@
           <a:p>
             <a:fld id="{000EFD90-4C08-4AA0-B23F-31C50BF1DAEC}" type="datetimeFigureOut">
               <a:rPr lang="en-IN" smtClean="0"/>
-              <a:t>14-08-2023</a:t>
+              <a:t>15-08-2023</a:t>
             </a:fld>
             <a:endParaRPr lang="en-IN"/>
           </a:p>
@@ -4489,7 +4503,7 @@
           <a:p>
             <a:fld id="{000EFD90-4C08-4AA0-B23F-31C50BF1DAEC}" type="datetimeFigureOut">
               <a:rPr lang="en-IN" smtClean="0"/>
-              <a:t>14-08-2023</a:t>
+              <a:t>15-08-2023</a:t>
             </a:fld>
             <a:endParaRPr lang="en-IN"/>
           </a:p>
@@ -4584,7 +4598,7 @@
           <a:p>
             <a:fld id="{000EFD90-4C08-4AA0-B23F-31C50BF1DAEC}" type="datetimeFigureOut">
               <a:rPr lang="en-IN" smtClean="0"/>
-              <a:t>14-08-2023</a:t>
+              <a:t>15-08-2023</a:t>
             </a:fld>
             <a:endParaRPr lang="en-IN"/>
           </a:p>
@@ -4833,7 +4847,7 @@
           <a:p>
             <a:fld id="{000EFD90-4C08-4AA0-B23F-31C50BF1DAEC}" type="datetimeFigureOut">
               <a:rPr lang="en-IN" smtClean="0"/>
-              <a:t>14-08-2023</a:t>
+              <a:t>15-08-2023</a:t>
             </a:fld>
             <a:endParaRPr lang="en-IN"/>
           </a:p>
@@ -5090,7 +5104,7 @@
           <a:p>
             <a:fld id="{000EFD90-4C08-4AA0-B23F-31C50BF1DAEC}" type="datetimeFigureOut">
               <a:rPr lang="en-IN" smtClean="0"/>
-              <a:t>14-08-2023</a:t>
+              <a:t>15-08-2023</a:t>
             </a:fld>
             <a:endParaRPr lang="en-IN"/>
           </a:p>
@@ -5333,7 +5347,7 @@
           <a:p>
             <a:fld id="{000EFD90-4C08-4AA0-B23F-31C50BF1DAEC}" type="datetimeFigureOut">
               <a:rPr lang="en-IN" smtClean="0"/>
-              <a:t>14-08-2023</a:t>
+              <a:t>15-08-2023</a:t>
             </a:fld>
             <a:endParaRPr lang="en-IN"/>
           </a:p>
@@ -5856,6 +5870,786 @@
 </p:sld>
 </file>
 
+<file path=ppt/slides/slide10.xml><?xml version="1.0" encoding="utf-8"?>
+<p:sld xmlns:a="http://schemas.openxmlformats.org/drawingml/2006/main" xmlns:r="http://schemas.openxmlformats.org/officeDocument/2006/relationships" xmlns:p="http://schemas.openxmlformats.org/presentationml/2006/main">
+  <p:cSld>
+    <p:spTree>
+      <p:nvGrpSpPr>
+        <p:cNvPr id="1" name=""/>
+        <p:cNvGrpSpPr/>
+        <p:nvPr/>
+      </p:nvGrpSpPr>
+      <p:grpSpPr>
+        <a:xfrm>
+          <a:off x="0" y="0"/>
+          <a:ext cx="0" cy="0"/>
+          <a:chOff x="0" y="0"/>
+          <a:chExt cx="0" cy="0"/>
+        </a:xfrm>
+      </p:grpSpPr>
+      <p:sp>
+        <p:nvSpPr>
+          <p:cNvPr id="2" name="Title 1"/>
+          <p:cNvSpPr>
+            <a:spLocks noGrp="1"/>
+          </p:cNvSpPr>
+          <p:nvPr>
+            <p:ph type="title"/>
+          </p:nvPr>
+        </p:nvSpPr>
+        <p:spPr/>
+        <p:txBody>
+          <a:bodyPr/>
+          <a:lstStyle/>
+          <a:p>
+            <a:r>
+              <a:rPr lang="en-US" dirty="0" smtClean="0"/>
+              <a:t>FRONEND Module</a:t>
+            </a:r>
+            <a:endParaRPr lang="en-IN" dirty="0"/>
+          </a:p>
+        </p:txBody>
+      </p:sp>
+      <p:sp>
+        <p:nvSpPr>
+          <p:cNvPr id="3" name="Content Placeholder 2"/>
+          <p:cNvSpPr>
+            <a:spLocks noGrp="1"/>
+          </p:cNvSpPr>
+          <p:nvPr>
+            <p:ph idx="1"/>
+          </p:nvPr>
+        </p:nvSpPr>
+        <p:spPr>
+          <a:xfrm>
+            <a:off x="685800" y="2194560"/>
+            <a:ext cx="10820400" cy="4663440"/>
+          </a:xfrm>
+        </p:spPr>
+        <p:txBody>
+          <a:bodyPr>
+            <a:normAutofit lnSpcReduction="10000"/>
+          </a:bodyPr>
+          <a:lstStyle/>
+          <a:p>
+            <a:r>
+              <a:rPr lang="en-US" dirty="0" smtClean="0"/>
+              <a:t>Developed by using Angular, a free web based JS framework</a:t>
+            </a:r>
+          </a:p>
+          <a:p>
+            <a:r>
+              <a:rPr lang="en-US" dirty="0" smtClean="0"/>
+              <a:t>Angular is primarily used to develop Single Page Applications (SPA)</a:t>
+            </a:r>
+          </a:p>
+          <a:p>
+            <a:pPr marL="0" indent="0">
+              <a:buNone/>
+            </a:pPr>
+            <a:endParaRPr lang="en-US" dirty="0" smtClean="0"/>
+          </a:p>
+          <a:p>
+            <a:pPr marL="0" indent="0">
+              <a:buNone/>
+            </a:pPr>
+            <a:r>
+              <a:rPr lang="en-US" dirty="0"/>
+              <a:t> </a:t>
+            </a:r>
+            <a:r>
+              <a:rPr lang="en-US" dirty="0" smtClean="0"/>
+              <a:t>  Whenever,  a new component is generated using CLI, the 4 files generated as the result are:</a:t>
+            </a:r>
+          </a:p>
+          <a:p>
+            <a:pPr marL="457200" indent="-457200">
+              <a:buAutoNum type="arabicPeriod"/>
+            </a:pPr>
+            <a:r>
+              <a:rPr lang="en-US" dirty="0" smtClean="0"/>
+              <a:t>HTML file (</a:t>
+            </a:r>
+            <a:r>
+              <a:rPr lang="en-US" dirty="0"/>
+              <a:t>i</a:t>
+            </a:r>
+            <a:r>
+              <a:rPr lang="en-US" dirty="0" smtClean="0"/>
+              <a:t>t defines the skeletal appearance of webpage)</a:t>
+            </a:r>
+          </a:p>
+          <a:p>
+            <a:pPr marL="457200" indent="-457200">
+              <a:buAutoNum type="arabicPeriod"/>
+            </a:pPr>
+            <a:r>
+              <a:rPr lang="en-US" dirty="0" smtClean="0"/>
+              <a:t>CSS file (it is used for styling of webpage for better look &amp; feel)</a:t>
+            </a:r>
+          </a:p>
+          <a:p>
+            <a:pPr marL="457200" indent="-457200">
+              <a:buAutoNum type="arabicPeriod"/>
+            </a:pPr>
+            <a:r>
+              <a:rPr lang="en-US" dirty="0" smtClean="0"/>
+              <a:t>TS file (it is a class file, written in TS language, contains business logic)</a:t>
+            </a:r>
+          </a:p>
+          <a:p>
+            <a:pPr marL="457200" indent="-457200">
+              <a:buAutoNum type="arabicPeriod"/>
+            </a:pPr>
+            <a:r>
+              <a:rPr lang="en-US" dirty="0" smtClean="0"/>
+              <a:t>Testing file (self explanatory name, used for testing purposes)</a:t>
+            </a:r>
+          </a:p>
+          <a:p>
+            <a:pPr marL="0" indent="0">
+              <a:buNone/>
+            </a:pPr>
+            <a:endParaRPr lang="en-US" dirty="0"/>
+          </a:p>
+          <a:p>
+            <a:pPr marL="0" indent="0">
+              <a:buNone/>
+            </a:pPr>
+            <a:r>
+              <a:rPr lang="en-US" dirty="0" smtClean="0"/>
+              <a:t>One file that is updated, is the app.module.ts file, which now includes the newly created component in the declarations array.</a:t>
+            </a:r>
+          </a:p>
+          <a:p>
+            <a:pPr marL="0" indent="0">
+              <a:buNone/>
+            </a:pPr>
+            <a:endParaRPr lang="en-IN" dirty="0"/>
+          </a:p>
+        </p:txBody>
+      </p:sp>
+    </p:spTree>
+    <p:extLst>
+      <p:ext uri="{BB962C8B-B14F-4D97-AF65-F5344CB8AC3E}">
+        <p14:creationId xmlns:p14="http://schemas.microsoft.com/office/powerpoint/2010/main" val="4218648011"/>
+      </p:ext>
+    </p:extLst>
+  </p:cSld>
+  <p:clrMapOvr>
+    <a:masterClrMapping/>
+  </p:clrMapOvr>
+  <p:timing>
+    <p:tnLst>
+      <p:par>
+        <p:cTn id="1" dur="indefinite" restart="never" nodeType="tmRoot"/>
+      </p:par>
+    </p:tnLst>
+  </p:timing>
+</p:sld>
+</file>
+
+<file path=ppt/slides/slide11.xml><?xml version="1.0" encoding="utf-8"?>
+<p:sld xmlns:a="http://schemas.openxmlformats.org/drawingml/2006/main" xmlns:r="http://schemas.openxmlformats.org/officeDocument/2006/relationships" xmlns:p="http://schemas.openxmlformats.org/presentationml/2006/main">
+  <p:cSld>
+    <p:spTree>
+      <p:nvGrpSpPr>
+        <p:cNvPr id="1" name=""/>
+        <p:cNvGrpSpPr/>
+        <p:nvPr/>
+      </p:nvGrpSpPr>
+      <p:grpSpPr>
+        <a:xfrm>
+          <a:off x="0" y="0"/>
+          <a:ext cx="0" cy="0"/>
+          <a:chOff x="0" y="0"/>
+          <a:chExt cx="0" cy="0"/>
+        </a:xfrm>
+      </p:grpSpPr>
+      <p:sp>
+        <p:nvSpPr>
+          <p:cNvPr id="2" name="Title 1"/>
+          <p:cNvSpPr>
+            <a:spLocks noGrp="1"/>
+          </p:cNvSpPr>
+          <p:nvPr>
+            <p:ph type="title"/>
+          </p:nvPr>
+        </p:nvSpPr>
+        <p:spPr>
+          <a:xfrm>
+            <a:off x="2841634" y="354941"/>
+            <a:ext cx="8610600" cy="1293028"/>
+          </a:xfrm>
+        </p:spPr>
+        <p:txBody>
+          <a:bodyPr/>
+          <a:lstStyle/>
+          <a:p>
+            <a:r>
+              <a:rPr lang="en-US" dirty="0" smtClean="0"/>
+              <a:t>Important FILES</a:t>
+            </a:r>
+            <a:endParaRPr lang="en-IN" dirty="0"/>
+          </a:p>
+        </p:txBody>
+      </p:sp>
+      <p:sp>
+        <p:nvSpPr>
+          <p:cNvPr id="3" name="Content Placeholder 2"/>
+          <p:cNvSpPr>
+            <a:spLocks noGrp="1"/>
+          </p:cNvSpPr>
+          <p:nvPr>
+            <p:ph sz="half" idx="1"/>
+          </p:nvPr>
+        </p:nvSpPr>
+        <p:spPr>
+          <a:xfrm>
+            <a:off x="354842" y="1937983"/>
+            <a:ext cx="7874758" cy="4708478"/>
+          </a:xfrm>
+        </p:spPr>
+        <p:txBody>
+          <a:bodyPr/>
+          <a:lstStyle/>
+          <a:p>
+            <a:pPr>
+              <a:buFont typeface="Wingdings" panose="05000000000000000000" pitchFamily="2" charset="2"/>
+              <a:buChar char="Ø"/>
+            </a:pPr>
+            <a:r>
+              <a:rPr lang="en-US" u="sng" dirty="0" smtClean="0"/>
+              <a:t>angular.json</a:t>
+            </a:r>
+            <a:r>
+              <a:rPr lang="en-US" dirty="0" smtClean="0"/>
+              <a:t>: </a:t>
+            </a:r>
+            <a:r>
+              <a:rPr lang="en-US" dirty="0"/>
+              <a:t>S</a:t>
+            </a:r>
+            <a:r>
+              <a:rPr lang="en-US" dirty="0" smtClean="0"/>
+              <a:t>tores </a:t>
+            </a:r>
+            <a:r>
+              <a:rPr lang="en-US" dirty="0"/>
+              <a:t>information about the </a:t>
+            </a:r>
+            <a:r>
+              <a:rPr lang="en-US" dirty="0" smtClean="0"/>
+              <a:t>architecture</a:t>
+            </a:r>
+            <a:r>
+              <a:rPr lang="en-US" dirty="0"/>
+              <a:t>, dependencies, build and test </a:t>
+            </a:r>
+            <a:r>
+              <a:rPr lang="en-US" dirty="0" smtClean="0"/>
+              <a:t>configurations</a:t>
+            </a:r>
+          </a:p>
+          <a:p>
+            <a:pPr>
+              <a:buFont typeface="Wingdings" panose="05000000000000000000" pitchFamily="2" charset="2"/>
+              <a:buChar char="Ø"/>
+            </a:pPr>
+            <a:r>
+              <a:rPr lang="en-US" dirty="0"/>
+              <a:t> </a:t>
+            </a:r>
+            <a:r>
+              <a:rPr lang="en-US" u="sng" dirty="0" smtClean="0"/>
+              <a:t>package.json</a:t>
+            </a:r>
+            <a:r>
+              <a:rPr lang="en-US" dirty="0" smtClean="0"/>
+              <a:t>: It is a </a:t>
+            </a:r>
+            <a:r>
+              <a:rPr lang="en-US" dirty="0"/>
+              <a:t>file that contains information about the project and its </a:t>
+            </a:r>
+            <a:r>
+              <a:rPr lang="en-US" dirty="0" smtClean="0"/>
+              <a:t>dependencies</a:t>
+            </a:r>
+          </a:p>
+          <a:p>
+            <a:pPr>
+              <a:buFont typeface="Wingdings" panose="05000000000000000000" pitchFamily="2" charset="2"/>
+              <a:buChar char="Ø"/>
+            </a:pPr>
+            <a:r>
+              <a:rPr lang="en-US" dirty="0"/>
+              <a:t> </a:t>
+            </a:r>
+            <a:r>
+              <a:rPr lang="en-US" u="sng" dirty="0" smtClean="0"/>
+              <a:t>tsconfig.json</a:t>
+            </a:r>
+            <a:r>
+              <a:rPr lang="en-US" dirty="0" smtClean="0"/>
+              <a:t>: It specifies </a:t>
+            </a:r>
+            <a:r>
+              <a:rPr lang="en-US" dirty="0"/>
+              <a:t>the base </a:t>
+            </a:r>
+            <a:r>
+              <a:rPr lang="en-US" dirty="0" smtClean="0"/>
+              <a:t>Typescript </a:t>
+            </a:r>
+            <a:r>
+              <a:rPr lang="en-US" dirty="0"/>
+              <a:t>and Angular compiler options </a:t>
+            </a:r>
+            <a:endParaRPr lang="en-US" dirty="0" smtClean="0"/>
+          </a:p>
+          <a:p>
+            <a:pPr>
+              <a:buFont typeface="Wingdings" panose="05000000000000000000" pitchFamily="2" charset="2"/>
+              <a:buChar char="Ø"/>
+            </a:pPr>
+            <a:r>
+              <a:rPr lang="en-US" dirty="0" smtClean="0"/>
+              <a:t> </a:t>
+            </a:r>
+            <a:r>
+              <a:rPr lang="en-US" u="sng" dirty="0" smtClean="0"/>
+              <a:t>app.module.ts</a:t>
+            </a:r>
+            <a:r>
+              <a:rPr lang="en-US" dirty="0" smtClean="0"/>
+              <a:t>: Maintains a track of all components and imports, required in the project</a:t>
+            </a:r>
+          </a:p>
+          <a:p>
+            <a:pPr>
+              <a:buFont typeface="Wingdings" panose="05000000000000000000" pitchFamily="2" charset="2"/>
+              <a:buChar char="Ø"/>
+            </a:pPr>
+            <a:r>
+              <a:rPr lang="en-US" dirty="0"/>
+              <a:t> </a:t>
+            </a:r>
+            <a:r>
+              <a:rPr lang="en-US" u="sng" dirty="0" smtClean="0"/>
+              <a:t>app-</a:t>
+            </a:r>
+            <a:r>
+              <a:rPr lang="en-US" u="sng" dirty="0" err="1" smtClean="0"/>
+              <a:t>routing.module.ts</a:t>
+            </a:r>
+            <a:r>
+              <a:rPr lang="en-US" dirty="0" smtClean="0"/>
+              <a:t>: Specifies what component to be loaded, when a specific path is entered</a:t>
+            </a:r>
+          </a:p>
+          <a:p>
+            <a:pPr marL="0" indent="0">
+              <a:buNone/>
+            </a:pPr>
+            <a:endParaRPr lang="en-US" dirty="0" smtClean="0"/>
+          </a:p>
+          <a:p>
+            <a:pPr>
+              <a:buFont typeface="Wingdings" panose="05000000000000000000" pitchFamily="2" charset="2"/>
+              <a:buChar char="Ø"/>
+            </a:pPr>
+            <a:endParaRPr lang="en-US" dirty="0" smtClean="0"/>
+          </a:p>
+          <a:p>
+            <a:pPr>
+              <a:buFont typeface="Wingdings" panose="05000000000000000000" pitchFamily="2" charset="2"/>
+              <a:buChar char="Ø"/>
+            </a:pPr>
+            <a:endParaRPr lang="en-US" dirty="0" smtClean="0"/>
+          </a:p>
+          <a:p>
+            <a:pPr>
+              <a:buFont typeface="Wingdings" panose="05000000000000000000" pitchFamily="2" charset="2"/>
+              <a:buChar char="Ø"/>
+            </a:pPr>
+            <a:endParaRPr lang="en-IN" dirty="0"/>
+          </a:p>
+        </p:txBody>
+      </p:sp>
+      <p:pic>
+        <p:nvPicPr>
+          <p:cNvPr id="5" name="Content Placeholder 4"/>
+          <p:cNvPicPr>
+            <a:picLocks noGrp="1" noChangeAspect="1"/>
+          </p:cNvPicPr>
+          <p:nvPr>
+            <p:ph sz="half" idx="2"/>
+          </p:nvPr>
+        </p:nvPicPr>
+        <p:blipFill>
+          <a:blip r:embed="rId2">
+            <a:extLst>
+              <a:ext uri="{28A0092B-C50C-407E-A947-70E740481C1C}">
+                <a14:useLocalDpi xmlns:a14="http://schemas.microsoft.com/office/drawing/2010/main" val="0"/>
+              </a:ext>
+            </a:extLst>
+          </a:blip>
+          <a:stretch>
+            <a:fillRect/>
+          </a:stretch>
+        </p:blipFill>
+        <p:spPr>
+          <a:xfrm>
+            <a:off x="8461612" y="1937982"/>
+            <a:ext cx="2936031" cy="4708478"/>
+          </a:xfrm>
+        </p:spPr>
+      </p:pic>
+    </p:spTree>
+    <p:extLst>
+      <p:ext uri="{BB962C8B-B14F-4D97-AF65-F5344CB8AC3E}">
+        <p14:creationId xmlns:p14="http://schemas.microsoft.com/office/powerpoint/2010/main" val="2836224835"/>
+      </p:ext>
+    </p:extLst>
+  </p:cSld>
+  <p:clrMapOvr>
+    <a:masterClrMapping/>
+  </p:clrMapOvr>
+  <p:timing>
+    <p:tnLst>
+      <p:par>
+        <p:cTn id="1" dur="indefinite" restart="never" nodeType="tmRoot"/>
+      </p:par>
+    </p:tnLst>
+  </p:timing>
+</p:sld>
+</file>
+
+<file path=ppt/slides/slide12.xml><?xml version="1.0" encoding="utf-8"?>
+<p:sld xmlns:a="http://schemas.openxmlformats.org/drawingml/2006/main" xmlns:r="http://schemas.openxmlformats.org/officeDocument/2006/relationships" xmlns:p="http://schemas.openxmlformats.org/presentationml/2006/main">
+  <p:cSld>
+    <p:spTree>
+      <p:nvGrpSpPr>
+        <p:cNvPr id="1" name=""/>
+        <p:cNvGrpSpPr/>
+        <p:nvPr/>
+      </p:nvGrpSpPr>
+      <p:grpSpPr>
+        <a:xfrm>
+          <a:off x="0" y="0"/>
+          <a:ext cx="0" cy="0"/>
+          <a:chOff x="0" y="0"/>
+          <a:chExt cx="0" cy="0"/>
+        </a:xfrm>
+      </p:grpSpPr>
+      <p:sp>
+        <p:nvSpPr>
+          <p:cNvPr id="2" name="Title 1"/>
+          <p:cNvSpPr>
+            <a:spLocks noGrp="1"/>
+          </p:cNvSpPr>
+          <p:nvPr>
+            <p:ph type="title"/>
+          </p:nvPr>
+        </p:nvSpPr>
+        <p:spPr/>
+        <p:txBody>
+          <a:bodyPr/>
+          <a:lstStyle/>
+          <a:p>
+            <a:r>
+              <a:rPr lang="en-US" dirty="0" smtClean="0"/>
+              <a:t>IMPORTANT ASPECTS: </a:t>
+            </a:r>
+            <a:endParaRPr lang="en-IN" dirty="0"/>
+          </a:p>
+        </p:txBody>
+      </p:sp>
+      <p:sp>
+        <p:nvSpPr>
+          <p:cNvPr id="3" name="Content Placeholder 2"/>
+          <p:cNvSpPr>
+            <a:spLocks noGrp="1"/>
+          </p:cNvSpPr>
+          <p:nvPr>
+            <p:ph idx="1"/>
+          </p:nvPr>
+        </p:nvSpPr>
+        <p:spPr>
+          <a:xfrm>
+            <a:off x="685800" y="2194560"/>
+            <a:ext cx="10955740" cy="4024125"/>
+          </a:xfrm>
+        </p:spPr>
+        <p:txBody>
+          <a:bodyPr>
+            <a:normAutofit lnSpcReduction="10000"/>
+          </a:bodyPr>
+          <a:lstStyle/>
+          <a:p>
+            <a:pPr marL="457200" indent="-457200">
+              <a:buFont typeface="+mj-lt"/>
+              <a:buAutoNum type="arabicPeriod"/>
+            </a:pPr>
+            <a:r>
+              <a:rPr lang="en-US" dirty="0" smtClean="0"/>
+              <a:t>Components: A component is the building block of any Angular application</a:t>
+            </a:r>
+          </a:p>
+          <a:p>
+            <a:pPr marL="0" indent="0">
+              <a:buNone/>
+            </a:pPr>
+            <a:r>
+              <a:rPr lang="en-US" dirty="0"/>
+              <a:t> </a:t>
+            </a:r>
+            <a:r>
+              <a:rPr lang="en-US" dirty="0" smtClean="0"/>
+              <a:t>     A complete app is made using many components</a:t>
+            </a:r>
+          </a:p>
+          <a:p>
+            <a:pPr marL="0" indent="0">
+              <a:buNone/>
+            </a:pPr>
+            <a:endParaRPr lang="en-US" dirty="0" smtClean="0"/>
+          </a:p>
+          <a:p>
+            <a:pPr marL="457200" indent="-457200">
+              <a:buAutoNum type="arabicPeriod" startAt="2"/>
+            </a:pPr>
+            <a:r>
+              <a:rPr lang="en-US" dirty="0" smtClean="0"/>
+              <a:t>Models: It is basically a class, written in TS syntax, which determines the structure of data that must be stored in the database</a:t>
+            </a:r>
+          </a:p>
+          <a:p>
+            <a:pPr marL="457200" indent="-457200">
+              <a:buAutoNum type="arabicPeriod" startAt="2"/>
+            </a:pPr>
+            <a:endParaRPr lang="en-US" dirty="0"/>
+          </a:p>
+          <a:p>
+            <a:pPr marL="457200" indent="-457200">
+              <a:buAutoNum type="arabicPeriod" startAt="2"/>
+            </a:pPr>
+            <a:r>
+              <a:rPr lang="en-US" dirty="0" smtClean="0"/>
+              <a:t>Services: It implements Dependency Injection (DI). It makes use of HttpClientModule to perform CRUD operations on database.</a:t>
+            </a:r>
+          </a:p>
+          <a:p>
+            <a:pPr marL="457200" indent="-457200">
+              <a:buAutoNum type="arabicPeriod" startAt="2"/>
+            </a:pPr>
+            <a:endParaRPr lang="en-US" dirty="0"/>
+          </a:p>
+          <a:p>
+            <a:pPr marL="457200" indent="-457200">
+              <a:buAutoNum type="arabicPeriod" startAt="2"/>
+            </a:pPr>
+            <a:r>
+              <a:rPr lang="en-US" dirty="0" smtClean="0"/>
+              <a:t>APIs: It stores data in JSON format, which is the most basic way to represent data.</a:t>
+            </a:r>
+          </a:p>
+          <a:p>
+            <a:pPr marL="457200" indent="-457200">
+              <a:buAutoNum type="arabicPeriod" startAt="2"/>
+            </a:pPr>
+            <a:endParaRPr lang="en-US" dirty="0" smtClean="0"/>
+          </a:p>
+          <a:p>
+            <a:pPr marL="457200" indent="-457200">
+              <a:buAutoNum type="arabicPeriod" startAt="2"/>
+            </a:pPr>
+            <a:endParaRPr lang="en-US" dirty="0" smtClean="0"/>
+          </a:p>
+        </p:txBody>
+      </p:sp>
+    </p:spTree>
+    <p:extLst>
+      <p:ext uri="{BB962C8B-B14F-4D97-AF65-F5344CB8AC3E}">
+        <p14:creationId xmlns:p14="http://schemas.microsoft.com/office/powerpoint/2010/main" val="2181183087"/>
+      </p:ext>
+    </p:extLst>
+  </p:cSld>
+  <p:clrMapOvr>
+    <a:masterClrMapping/>
+  </p:clrMapOvr>
+</p:sld>
+</file>
+
+<file path=ppt/slides/slide13.xml><?xml version="1.0" encoding="utf-8"?>
+<p:sld xmlns:a="http://schemas.openxmlformats.org/drawingml/2006/main" xmlns:r="http://schemas.openxmlformats.org/officeDocument/2006/relationships" xmlns:p="http://schemas.openxmlformats.org/presentationml/2006/main">
+  <p:cSld>
+    <p:spTree>
+      <p:nvGrpSpPr>
+        <p:cNvPr id="1" name=""/>
+        <p:cNvGrpSpPr/>
+        <p:nvPr/>
+      </p:nvGrpSpPr>
+      <p:grpSpPr>
+        <a:xfrm>
+          <a:off x="0" y="0"/>
+          <a:ext cx="0" cy="0"/>
+          <a:chOff x="0" y="0"/>
+          <a:chExt cx="0" cy="0"/>
+        </a:xfrm>
+      </p:grpSpPr>
+      <p:sp>
+        <p:nvSpPr>
+          <p:cNvPr id="2" name="Title 1"/>
+          <p:cNvSpPr>
+            <a:spLocks noGrp="1"/>
+          </p:cNvSpPr>
+          <p:nvPr>
+            <p:ph type="title"/>
+          </p:nvPr>
+        </p:nvSpPr>
+        <p:spPr/>
+        <p:txBody>
+          <a:bodyPr/>
+          <a:lstStyle/>
+          <a:p>
+            <a:r>
+              <a:rPr lang="en-US" dirty="0" smtClean="0"/>
+              <a:t>PROJECT FLOW</a:t>
+            </a:r>
+            <a:endParaRPr lang="en-IN" dirty="0"/>
+          </a:p>
+        </p:txBody>
+      </p:sp>
+      <p:pic>
+        <p:nvPicPr>
+          <p:cNvPr id="4" name="Content Placeholder 3"/>
+          <p:cNvPicPr>
+            <a:picLocks noGrp="1" noChangeAspect="1"/>
+          </p:cNvPicPr>
+          <p:nvPr>
+            <p:ph idx="1"/>
+          </p:nvPr>
+        </p:nvPicPr>
+        <p:blipFill>
+          <a:blip r:embed="rId2"/>
+          <a:stretch>
+            <a:fillRect/>
+          </a:stretch>
+        </p:blipFill>
+        <p:spPr>
+          <a:xfrm>
+            <a:off x="685800" y="2057401"/>
+            <a:ext cx="10820400" cy="4589059"/>
+          </a:xfrm>
+          <a:prstGeom prst="rect">
+            <a:avLst/>
+          </a:prstGeom>
+        </p:spPr>
+      </p:pic>
+    </p:spTree>
+    <p:extLst>
+      <p:ext uri="{BB962C8B-B14F-4D97-AF65-F5344CB8AC3E}">
+        <p14:creationId xmlns:p14="http://schemas.microsoft.com/office/powerpoint/2010/main" val="2404675685"/>
+      </p:ext>
+    </p:extLst>
+  </p:cSld>
+  <p:clrMapOvr>
+    <a:masterClrMapping/>
+  </p:clrMapOvr>
+  <p:timing>
+    <p:tnLst>
+      <p:par>
+        <p:cTn id="1" dur="indefinite" restart="never" nodeType="tmRoot"/>
+      </p:par>
+    </p:tnLst>
+  </p:timing>
+</p:sld>
+</file>
+
+<file path=ppt/slides/slide14.xml><?xml version="1.0" encoding="utf-8"?>
+<p:sld xmlns:a="http://schemas.openxmlformats.org/drawingml/2006/main" xmlns:r="http://schemas.openxmlformats.org/officeDocument/2006/relationships" xmlns:p="http://schemas.openxmlformats.org/presentationml/2006/main">
+  <p:cSld>
+    <p:spTree>
+      <p:nvGrpSpPr>
+        <p:cNvPr id="1" name=""/>
+        <p:cNvGrpSpPr/>
+        <p:nvPr/>
+      </p:nvGrpSpPr>
+      <p:grpSpPr>
+        <a:xfrm>
+          <a:off x="0" y="0"/>
+          <a:ext cx="0" cy="0"/>
+          <a:chOff x="0" y="0"/>
+          <a:chExt cx="0" cy="0"/>
+        </a:xfrm>
+      </p:grpSpPr>
+      <p:sp>
+        <p:nvSpPr>
+          <p:cNvPr id="2" name="Title 1"/>
+          <p:cNvSpPr>
+            <a:spLocks noGrp="1"/>
+          </p:cNvSpPr>
+          <p:nvPr>
+            <p:ph type="title"/>
+          </p:nvPr>
+        </p:nvSpPr>
+        <p:spPr>
+          <a:xfrm>
+            <a:off x="1517176" y="3043549"/>
+            <a:ext cx="9223611" cy="1293028"/>
+          </a:xfrm>
+        </p:spPr>
+        <p:txBody>
+          <a:bodyPr/>
+          <a:lstStyle/>
+          <a:p>
+            <a:r>
+              <a:rPr lang="en-US" dirty="0" smtClean="0"/>
+              <a:t>S</a:t>
+            </a:r>
+            <a:r>
+              <a:rPr lang="en-US" cap="none" dirty="0" smtClean="0"/>
+              <a:t>ystem.out.println</a:t>
+            </a:r>
+            <a:r>
+              <a:rPr lang="en-US" dirty="0" smtClean="0"/>
+              <a:t>(“T</a:t>
+            </a:r>
+            <a:r>
+              <a:rPr lang="en-US" cap="none" dirty="0" smtClean="0"/>
+              <a:t>hank</a:t>
+            </a:r>
+            <a:r>
+              <a:rPr lang="en-US" dirty="0" smtClean="0"/>
+              <a:t> Y</a:t>
+            </a:r>
+            <a:r>
+              <a:rPr lang="en-US" cap="none" dirty="0" smtClean="0"/>
+              <a:t>ou</a:t>
+            </a:r>
+            <a:r>
+              <a:rPr lang="en-US" dirty="0" smtClean="0"/>
+              <a:t>”)</a:t>
+            </a:r>
+            <a:endParaRPr lang="en-IN" dirty="0"/>
+          </a:p>
+        </p:txBody>
+      </p:sp>
+    </p:spTree>
+    <p:extLst>
+      <p:ext uri="{BB962C8B-B14F-4D97-AF65-F5344CB8AC3E}">
+        <p14:creationId xmlns:p14="http://schemas.microsoft.com/office/powerpoint/2010/main" val="329210140"/>
+      </p:ext>
+    </p:extLst>
+  </p:cSld>
+  <p:clrMapOvr>
+    <a:masterClrMapping/>
+  </p:clrMapOvr>
+</p:sld>
+</file>
+
 <file path=ppt/slides/slide2.xml><?xml version="1.0" encoding="utf-8"?>
 <p:sld xmlns:a="http://schemas.openxmlformats.org/drawingml/2006/main" xmlns:r="http://schemas.openxmlformats.org/officeDocument/2006/relationships" xmlns:p="http://schemas.openxmlformats.org/presentationml/2006/main">
   <p:cSld>
@@ -6660,19 +7454,21 @@
           <a:p>
             <a:r>
               <a:rPr lang="en-US" dirty="0" smtClean="0"/>
-              <a:t>Completely written using JAVA. </a:t>
-            </a:r>
-          </a:p>
-          <a:p>
-            <a:r>
-              <a:rPr lang="en-US" dirty="0" smtClean="0"/>
-              <a:t>JDK version 17.0.8 by Amazon Coretto</a:t>
-            </a:r>
-          </a:p>
-          <a:p>
-            <a:r>
-              <a:rPr lang="en-US" dirty="0" smtClean="0"/>
-              <a:t>Implements Spring Boot as the open-source microservice-based web framework</a:t>
+              <a:t>Completely written using JAVA. JDK v 17.0.8 by Amazon Coretto</a:t>
+            </a:r>
+          </a:p>
+          <a:p>
+            <a:r>
+              <a:rPr lang="en-US" dirty="0" smtClean="0"/>
+              <a:t>Implements Spring Boot as the </a:t>
+            </a:r>
+            <a:r>
+              <a:rPr lang="en-US" dirty="0" smtClean="0"/>
+              <a:t>microservice-based </a:t>
+            </a:r>
+            <a:r>
+              <a:rPr lang="en-US" dirty="0" smtClean="0"/>
+              <a:t>web framework</a:t>
             </a:r>
           </a:p>
           <a:p>
@@ -6744,6 +7540,29 @@
             <a:r>
               <a:rPr lang="en-US" dirty="0" smtClean="0"/>
               <a:t>8761) is used for service discovery</a:t>
+            </a:r>
+          </a:p>
+          <a:p>
+            <a:pPr marL="0" indent="0">
+              <a:buNone/>
+            </a:pPr>
+            <a:endParaRPr lang="en-US" dirty="0"/>
+          </a:p>
+          <a:p>
+            <a:pPr marL="0" indent="0">
+              <a:buNone/>
+            </a:pPr>
+            <a:r>
+              <a:rPr lang="en-US" dirty="0" smtClean="0"/>
+              <a:t>All microservices are included as child </a:t>
+            </a:r>
+            <a:r>
+              <a:rPr lang="en-US" dirty="0" smtClean="0"/>
+              <a:t>modules to </a:t>
+            </a:r>
+            <a:r>
+              <a:rPr lang="en-US" dirty="0" smtClean="0"/>
+              <a:t>main application</a:t>
             </a:r>
             <a:endParaRPr lang="en-US" dirty="0"/>
           </a:p>
@@ -6759,6 +7578,13 @@
   <p:clrMapOvr>
     <a:masterClrMapping/>
   </p:clrMapOvr>
+  <p:timing>
+    <p:tnLst>
+      <p:par>
+        <p:cTn id="1" dur="indefinite" restart="never" nodeType="tmRoot"/>
+      </p:par>
+    </p:tnLst>
+  </p:timing>
 </p:sld>
 </file>
 
@@ -6796,7 +7622,19 @@
           <a:p>
             <a:r>
               <a:rPr lang="en-US" dirty="0" smtClean="0"/>
-              <a:t>USER Authentication</a:t>
+              <a:t>I</a:t>
+            </a:r>
+            <a:r>
+              <a:rPr lang="en-US" cap="none" dirty="0" smtClean="0"/>
+              <a:t>MPORTANT</a:t>
+            </a:r>
+            <a:r>
+              <a:rPr lang="en-US" dirty="0" smtClean="0"/>
+              <a:t> </a:t>
+            </a:r>
+            <a:r>
+              <a:rPr lang="en-US" dirty="0"/>
+              <a:t>FILES</a:t>
             </a:r>
             <a:endParaRPr lang="en-IN" dirty="0"/>
           </a:p>
@@ -6809,37 +7647,268 @@
             <a:spLocks noGrp="1"/>
           </p:cNvSpPr>
           <p:nvPr>
+            <p:ph idx="1"/>
+          </p:nvPr>
+        </p:nvSpPr>
+        <p:spPr>
+          <a:xfrm>
+            <a:off x="245661" y="2194560"/>
+            <a:ext cx="11723426" cy="4024125"/>
+          </a:xfrm>
+        </p:spPr>
+        <p:txBody>
+          <a:bodyPr/>
+          <a:lstStyle/>
+          <a:p>
+            <a:pPr>
+              <a:buFont typeface="Wingdings" panose="05000000000000000000" pitchFamily="2" charset="2"/>
+              <a:buChar char="Ø"/>
+            </a:pPr>
+            <a:r>
+              <a:rPr lang="en-US" dirty="0" smtClean="0"/>
+              <a:t> </a:t>
+            </a:r>
+            <a:r>
+              <a:rPr lang="en-US" u="sng" dirty="0" smtClean="0"/>
+              <a:t>Dockerfile</a:t>
+            </a:r>
+            <a:r>
+              <a:rPr lang="en-US" dirty="0" smtClean="0"/>
+              <a:t>:  It is</a:t>
+            </a:r>
+            <a:r>
+              <a:rPr lang="en-US" dirty="0"/>
+              <a:t> a </a:t>
+            </a:r>
+            <a:r>
+              <a:rPr lang="en-US" dirty="0" smtClean="0"/>
+              <a:t>document </a:t>
+            </a:r>
+            <a:r>
+              <a:rPr lang="en-US" dirty="0"/>
+              <a:t>containing all the commands the user requires to call on the command line to assemble an </a:t>
+            </a:r>
+            <a:r>
+              <a:rPr lang="en-US" dirty="0" smtClean="0"/>
+              <a:t>image</a:t>
+            </a:r>
+          </a:p>
+          <a:p>
+            <a:pPr>
+              <a:buFont typeface="Wingdings" panose="05000000000000000000" pitchFamily="2" charset="2"/>
+              <a:buChar char="Ø"/>
+            </a:pPr>
+            <a:r>
+              <a:rPr lang="en-US" dirty="0"/>
+              <a:t> </a:t>
+            </a:r>
+            <a:r>
+              <a:rPr lang="en-US" u="sng" dirty="0" smtClean="0"/>
+              <a:t>application.yml</a:t>
+            </a:r>
+            <a:r>
+              <a:rPr lang="en-US" dirty="0" smtClean="0"/>
+              <a:t>: It is primarily used to modify configuration parameters, such as connectivity with database, port number, eureka registry etc.</a:t>
+            </a:r>
+          </a:p>
+          <a:p>
+            <a:pPr>
+              <a:buFont typeface="Wingdings" panose="05000000000000000000" pitchFamily="2" charset="2"/>
+              <a:buChar char="Ø"/>
+            </a:pPr>
+            <a:r>
+              <a:rPr lang="en-US" dirty="0"/>
+              <a:t> </a:t>
+            </a:r>
+            <a:r>
+              <a:rPr lang="en-US" u="sng" dirty="0" smtClean="0"/>
+              <a:t>pom.xml</a:t>
+            </a:r>
+            <a:r>
+              <a:rPr lang="en-US" dirty="0" smtClean="0"/>
+              <a:t>:  It is used to keep a track of project details such as group ID, artifact ID, and also all the list of dependencies required </a:t>
+            </a:r>
+          </a:p>
+          <a:p>
+            <a:pPr>
+              <a:buFont typeface="Wingdings" panose="05000000000000000000" pitchFamily="2" charset="2"/>
+              <a:buChar char="Ø"/>
+            </a:pPr>
+            <a:r>
+              <a:rPr lang="en-US" dirty="0"/>
+              <a:t> </a:t>
+            </a:r>
+            <a:r>
+              <a:rPr lang="en-US" u="sng" dirty="0" smtClean="0"/>
+              <a:t>compose.yaml</a:t>
+            </a:r>
+            <a:r>
+              <a:rPr lang="en-US" dirty="0" smtClean="0"/>
+              <a:t>: It is used to run multi-container docker application. </a:t>
+            </a:r>
+          </a:p>
+        </p:txBody>
+      </p:sp>
+    </p:spTree>
+    <p:extLst>
+      <p:ext uri="{BB962C8B-B14F-4D97-AF65-F5344CB8AC3E}">
+        <p14:creationId xmlns:p14="http://schemas.microsoft.com/office/powerpoint/2010/main" val="1557440821"/>
+      </p:ext>
+    </p:extLst>
+  </p:cSld>
+  <p:clrMapOvr>
+    <a:masterClrMapping/>
+  </p:clrMapOvr>
+  <p:timing>
+    <p:tnLst>
+      <p:par>
+        <p:cTn id="1" dur="indefinite" restart="never" nodeType="tmRoot"/>
+      </p:par>
+    </p:tnLst>
+  </p:timing>
+</p:sld>
+</file>
+
+<file path=ppt/slides/slide6.xml><?xml version="1.0" encoding="utf-8"?>
+<p:sld xmlns:a="http://schemas.openxmlformats.org/drawingml/2006/main" xmlns:r="http://schemas.openxmlformats.org/officeDocument/2006/relationships" xmlns:p="http://schemas.openxmlformats.org/presentationml/2006/main">
+  <p:cSld>
+    <p:spTree>
+      <p:nvGrpSpPr>
+        <p:cNvPr id="1" name=""/>
+        <p:cNvGrpSpPr/>
+        <p:nvPr/>
+      </p:nvGrpSpPr>
+      <p:grpSpPr>
+        <a:xfrm>
+          <a:off x="0" y="0"/>
+          <a:ext cx="0" cy="0"/>
+          <a:chOff x="0" y="0"/>
+          <a:chExt cx="0" cy="0"/>
+        </a:xfrm>
+      </p:grpSpPr>
+      <p:sp>
+        <p:nvSpPr>
+          <p:cNvPr id="2" name="Title 1"/>
+          <p:cNvSpPr>
+            <a:spLocks noGrp="1"/>
+          </p:cNvSpPr>
+          <p:nvPr>
+            <p:ph type="title"/>
+          </p:nvPr>
+        </p:nvSpPr>
+        <p:spPr/>
+        <p:txBody>
+          <a:bodyPr/>
+          <a:lstStyle/>
+          <a:p>
+            <a:r>
+              <a:rPr lang="en-US" dirty="0" smtClean="0"/>
+              <a:t>USER </a:t>
+            </a:r>
+            <a:r>
+              <a:rPr lang="en-US" cap="none" dirty="0" smtClean="0"/>
+              <a:t>AUTHENTICATION</a:t>
+            </a:r>
+            <a:endParaRPr lang="en-IN" cap="none" dirty="0"/>
+          </a:p>
+        </p:txBody>
+      </p:sp>
+      <p:sp>
+        <p:nvSpPr>
+          <p:cNvPr id="3" name="Content Placeholder 2"/>
+          <p:cNvSpPr>
+            <a:spLocks noGrp="1"/>
+          </p:cNvSpPr>
+          <p:nvPr>
             <p:ph sz="half" idx="1"/>
           </p:nvPr>
         </p:nvSpPr>
-        <p:spPr/>
-        <p:txBody>
-          <a:bodyPr/>
-          <a:lstStyle/>
-          <a:p>
-            <a:endParaRPr lang="en-IN" dirty="0"/>
-          </a:p>
-        </p:txBody>
-      </p:sp>
-      <p:sp>
-        <p:nvSpPr>
-          <p:cNvPr id="4" name="Content Placeholder 3"/>
-          <p:cNvSpPr>
-            <a:spLocks noGrp="1"/>
-          </p:cNvSpPr>
+        <p:spPr>
+          <a:xfrm>
+            <a:off x="0" y="2194559"/>
+            <a:ext cx="6019800" cy="4663441"/>
+          </a:xfrm>
+        </p:spPr>
+        <p:txBody>
+          <a:bodyPr>
+            <a:normAutofit/>
+          </a:bodyPr>
+          <a:lstStyle/>
+          <a:p>
+            <a:pPr marL="0" indent="0">
+              <a:buNone/>
+            </a:pPr>
+            <a:r>
+              <a:rPr lang="en-US" dirty="0" smtClean="0"/>
+              <a:t>Purpose:</a:t>
+            </a:r>
+          </a:p>
+          <a:p>
+            <a:r>
+              <a:rPr lang="en-US" dirty="0" smtClean="0"/>
+              <a:t>Allows new Users to register</a:t>
+            </a:r>
+          </a:p>
+          <a:p>
+            <a:r>
+              <a:rPr lang="en-US" dirty="0" smtClean="0"/>
+              <a:t>Allows registered user to login</a:t>
+            </a:r>
+          </a:p>
+          <a:p>
+            <a:r>
+              <a:rPr lang="en-US" dirty="0" smtClean="0"/>
+              <a:t>Generates a </a:t>
+            </a:r>
+            <a:r>
+              <a:rPr lang="en-US" dirty="0" smtClean="0"/>
+              <a:t>JSON Web Token (JWT), </a:t>
+            </a:r>
+            <a:r>
+              <a:rPr lang="en-US" dirty="0" smtClean="0"/>
+              <a:t>whenever a registered user logs in</a:t>
+            </a:r>
+          </a:p>
+          <a:p>
+            <a:endParaRPr lang="en-US" dirty="0"/>
+          </a:p>
+          <a:p>
+            <a:pPr marL="0" indent="0">
+              <a:buNone/>
+            </a:pPr>
+            <a:r>
+              <a:rPr lang="en-US" dirty="0" smtClean="0"/>
+              <a:t>User Details are stored in MySQL Database</a:t>
+            </a:r>
+          </a:p>
+        </p:txBody>
+      </p:sp>
+      <p:pic>
+        <p:nvPicPr>
+          <p:cNvPr id="5" name="Content Placeholder 4"/>
+          <p:cNvPicPr>
+            <a:picLocks noGrp="1" noChangeAspect="1"/>
+          </p:cNvPicPr>
           <p:nvPr>
             <p:ph sz="half" idx="2"/>
           </p:nvPr>
-        </p:nvSpPr>
-        <p:spPr/>
-        <p:txBody>
-          <a:bodyPr/>
-          <a:lstStyle/>
-          <a:p>
-            <a:endParaRPr lang="en-IN"/>
-          </a:p>
-        </p:txBody>
-      </p:sp>
+        </p:nvPicPr>
+        <p:blipFill>
+          <a:blip r:embed="rId2"/>
+          <a:stretch>
+            <a:fillRect/>
+          </a:stretch>
+        </p:blipFill>
+        <p:spPr>
+          <a:xfrm>
+            <a:off x="6019800" y="2194558"/>
+            <a:ext cx="6172200" cy="4083411"/>
+          </a:xfrm>
+          <a:prstGeom prst="rect">
+            <a:avLst/>
+          </a:prstGeom>
+        </p:spPr>
+      </p:pic>
     </p:spTree>
     <p:extLst>
       <p:ext uri="{BB962C8B-B14F-4D97-AF65-F5344CB8AC3E}">
@@ -6850,6 +7919,569 @@
   <p:clrMapOvr>
     <a:masterClrMapping/>
   </p:clrMapOvr>
+  <p:timing>
+    <p:tnLst>
+      <p:par>
+        <p:cTn id="1" dur="indefinite" restart="never" nodeType="tmRoot"/>
+      </p:par>
+    </p:tnLst>
+  </p:timing>
+</p:sld>
+</file>
+
+<file path=ppt/slides/slide7.xml><?xml version="1.0" encoding="utf-8"?>
+<p:sld xmlns:a="http://schemas.openxmlformats.org/drawingml/2006/main" xmlns:r="http://schemas.openxmlformats.org/officeDocument/2006/relationships" xmlns:p="http://schemas.openxmlformats.org/presentationml/2006/main">
+  <p:cSld>
+    <p:spTree>
+      <p:nvGrpSpPr>
+        <p:cNvPr id="1" name=""/>
+        <p:cNvGrpSpPr/>
+        <p:nvPr/>
+      </p:nvGrpSpPr>
+      <p:grpSpPr>
+        <a:xfrm>
+          <a:off x="0" y="0"/>
+          <a:ext cx="0" cy="0"/>
+          <a:chOff x="0" y="0"/>
+          <a:chExt cx="0" cy="0"/>
+        </a:xfrm>
+      </p:grpSpPr>
+      <p:sp>
+        <p:nvSpPr>
+          <p:cNvPr id="2" name="Title 1"/>
+          <p:cNvSpPr>
+            <a:spLocks noGrp="1"/>
+          </p:cNvSpPr>
+          <p:nvPr>
+            <p:ph type="title"/>
+          </p:nvPr>
+        </p:nvSpPr>
+        <p:spPr/>
+        <p:txBody>
+          <a:bodyPr/>
+          <a:lstStyle/>
+          <a:p>
+            <a:r>
+              <a:rPr lang="en-US" dirty="0" smtClean="0"/>
+              <a:t>Booking application</a:t>
+            </a:r>
+            <a:endParaRPr lang="en-IN" dirty="0"/>
+          </a:p>
+        </p:txBody>
+      </p:sp>
+      <p:sp>
+        <p:nvSpPr>
+          <p:cNvPr id="3" name="Content Placeholder 2"/>
+          <p:cNvSpPr>
+            <a:spLocks noGrp="1"/>
+          </p:cNvSpPr>
+          <p:nvPr>
+            <p:ph sz="half" idx="1"/>
+          </p:nvPr>
+        </p:nvSpPr>
+        <p:spPr>
+          <a:xfrm>
+            <a:off x="0" y="2194559"/>
+            <a:ext cx="6172200" cy="4663441"/>
+          </a:xfrm>
+        </p:spPr>
+        <p:txBody>
+          <a:bodyPr/>
+          <a:lstStyle/>
+          <a:p>
+            <a:pPr marL="0" indent="0">
+              <a:buNone/>
+            </a:pPr>
+            <a:r>
+              <a:rPr lang="en-US" dirty="0" smtClean="0"/>
+              <a:t>Purpose:</a:t>
+            </a:r>
+          </a:p>
+          <a:p>
+            <a:r>
+              <a:rPr lang="en-US" dirty="0" smtClean="0"/>
+              <a:t>Fetch user by name or email</a:t>
+            </a:r>
+          </a:p>
+          <a:p>
+            <a:r>
+              <a:rPr lang="en-US" dirty="0" smtClean="0"/>
+              <a:t>Add a new booking for a user</a:t>
+            </a:r>
+          </a:p>
+          <a:p>
+            <a:r>
+              <a:rPr lang="en-US" dirty="0" smtClean="0"/>
+              <a:t>Fetch one booking or list of all bookings </a:t>
+            </a:r>
+          </a:p>
+          <a:p>
+            <a:r>
+              <a:rPr lang="en-US" dirty="0" smtClean="0"/>
+              <a:t>Update one booking details</a:t>
+            </a:r>
+          </a:p>
+          <a:p>
+            <a:r>
+              <a:rPr lang="en-US" dirty="0" smtClean="0"/>
+              <a:t>Remove one booking or list of all </a:t>
+            </a:r>
+            <a:r>
+              <a:rPr lang="en-US" dirty="0" smtClean="0"/>
+              <a:t>bookings</a:t>
+            </a:r>
+          </a:p>
+          <a:p>
+            <a:r>
+              <a:rPr lang="en-US" dirty="0" smtClean="0"/>
+              <a:t>Validate the generated JWT</a:t>
+            </a:r>
+            <a:endParaRPr lang="en-US" dirty="0" smtClean="0"/>
+          </a:p>
+          <a:p>
+            <a:pPr marL="0" indent="0">
+              <a:buNone/>
+            </a:pPr>
+            <a:endParaRPr lang="en-US" dirty="0"/>
+          </a:p>
+          <a:p>
+            <a:pPr marL="0" indent="0">
+              <a:buNone/>
+            </a:pPr>
+            <a:r>
+              <a:rPr lang="en-US" dirty="0" smtClean="0"/>
+              <a:t>Booking </a:t>
+            </a:r>
+            <a:r>
+              <a:rPr lang="en-US" dirty="0"/>
+              <a:t>Details are stored in </a:t>
+            </a:r>
+            <a:r>
+              <a:rPr lang="en-US" dirty="0" smtClean="0"/>
+              <a:t>Mongo DB </a:t>
+            </a:r>
+            <a:r>
+              <a:rPr lang="en-US" dirty="0"/>
+              <a:t>Database</a:t>
+            </a:r>
+          </a:p>
+          <a:p>
+            <a:pPr marL="0" indent="0">
+              <a:buNone/>
+            </a:pPr>
+            <a:endParaRPr lang="en-US" dirty="0" smtClean="0"/>
+          </a:p>
+        </p:txBody>
+      </p:sp>
+      <p:sp>
+        <p:nvSpPr>
+          <p:cNvPr id="4" name="Content Placeholder 3"/>
+          <p:cNvSpPr>
+            <a:spLocks noGrp="1"/>
+          </p:cNvSpPr>
+          <p:nvPr>
+            <p:ph sz="half" idx="2"/>
+          </p:nvPr>
+        </p:nvSpPr>
+        <p:spPr>
+          <a:xfrm>
+            <a:off x="6172200" y="2194559"/>
+            <a:ext cx="6019800" cy="4663441"/>
+          </a:xfrm>
+        </p:spPr>
+        <p:txBody>
+          <a:bodyPr/>
+          <a:lstStyle/>
+          <a:p>
+            <a:endParaRPr lang="en-IN" dirty="0"/>
+          </a:p>
+        </p:txBody>
+      </p:sp>
+      <p:pic>
+        <p:nvPicPr>
+          <p:cNvPr id="5" name="Picture 4"/>
+          <p:cNvPicPr>
+            <a:picLocks noChangeAspect="1"/>
+          </p:cNvPicPr>
+          <p:nvPr/>
+        </p:nvPicPr>
+        <p:blipFill>
+          <a:blip r:embed="rId2"/>
+          <a:stretch>
+            <a:fillRect/>
+          </a:stretch>
+        </p:blipFill>
+        <p:spPr>
+          <a:xfrm>
+            <a:off x="6172199" y="2194558"/>
+            <a:ext cx="6019801" cy="4663441"/>
+          </a:xfrm>
+          <a:prstGeom prst="rect">
+            <a:avLst/>
+          </a:prstGeom>
+        </p:spPr>
+      </p:pic>
+    </p:spTree>
+    <p:extLst>
+      <p:ext uri="{BB962C8B-B14F-4D97-AF65-F5344CB8AC3E}">
+        <p14:creationId xmlns:p14="http://schemas.microsoft.com/office/powerpoint/2010/main" val="4002023527"/>
+      </p:ext>
+    </p:extLst>
+  </p:cSld>
+  <p:clrMapOvr>
+    <a:masterClrMapping/>
+  </p:clrMapOvr>
+  <p:timing>
+    <p:tnLst>
+      <p:par>
+        <p:cTn id="1" dur="indefinite" restart="never" nodeType="tmRoot"/>
+      </p:par>
+    </p:tnLst>
+  </p:timing>
+</p:sld>
+</file>
+
+<file path=ppt/slides/slide8.xml><?xml version="1.0" encoding="utf-8"?>
+<p:sld xmlns:a="http://schemas.openxmlformats.org/drawingml/2006/main" xmlns:r="http://schemas.openxmlformats.org/officeDocument/2006/relationships" xmlns:p="http://schemas.openxmlformats.org/presentationml/2006/main">
+  <p:cSld>
+    <p:spTree>
+      <p:nvGrpSpPr>
+        <p:cNvPr id="1" name=""/>
+        <p:cNvGrpSpPr/>
+        <p:nvPr/>
+      </p:nvGrpSpPr>
+      <p:grpSpPr>
+        <a:xfrm>
+          <a:off x="0" y="0"/>
+          <a:ext cx="0" cy="0"/>
+          <a:chOff x="0" y="0"/>
+          <a:chExt cx="0" cy="0"/>
+        </a:xfrm>
+      </p:grpSpPr>
+      <p:sp>
+        <p:nvSpPr>
+          <p:cNvPr id="2" name="Title 1"/>
+          <p:cNvSpPr>
+            <a:spLocks noGrp="1"/>
+          </p:cNvSpPr>
+          <p:nvPr>
+            <p:ph type="title"/>
+          </p:nvPr>
+        </p:nvSpPr>
+        <p:spPr/>
+        <p:txBody>
+          <a:bodyPr/>
+          <a:lstStyle/>
+          <a:p>
+            <a:r>
+              <a:rPr lang="en-US" dirty="0" smtClean="0"/>
+              <a:t>Api gateway</a:t>
+            </a:r>
+            <a:endParaRPr lang="en-IN" dirty="0"/>
+          </a:p>
+        </p:txBody>
+      </p:sp>
+      <p:sp>
+        <p:nvSpPr>
+          <p:cNvPr id="3" name="Content Placeholder 2"/>
+          <p:cNvSpPr>
+            <a:spLocks noGrp="1"/>
+          </p:cNvSpPr>
+          <p:nvPr>
+            <p:ph sz="half" idx="1"/>
+          </p:nvPr>
+        </p:nvSpPr>
+        <p:spPr>
+          <a:xfrm>
+            <a:off x="0" y="2194559"/>
+            <a:ext cx="6019800" cy="4663441"/>
+          </a:xfrm>
+        </p:spPr>
+        <p:txBody>
+          <a:bodyPr/>
+          <a:lstStyle/>
+          <a:p>
+            <a:pPr marL="0" indent="0">
+              <a:buNone/>
+            </a:pPr>
+            <a:r>
+              <a:rPr lang="en-US" dirty="0" smtClean="0"/>
+              <a:t>Purpose:</a:t>
+            </a:r>
+          </a:p>
+          <a:p>
+            <a:r>
+              <a:rPr lang="en-US" dirty="0" smtClean="0"/>
+              <a:t>All </a:t>
+            </a:r>
+            <a:r>
+              <a:rPr lang="en-US" dirty="0" smtClean="0"/>
+              <a:t>requests pass through API Gateway</a:t>
+            </a:r>
+          </a:p>
+          <a:p>
+            <a:r>
+              <a:rPr lang="en-US" dirty="0" smtClean="0"/>
+              <a:t>Provide a common port number for handling all </a:t>
+            </a:r>
+            <a:r>
+              <a:rPr lang="en-US" dirty="0" smtClean="0"/>
+              <a:t>requests</a:t>
+            </a:r>
+          </a:p>
+          <a:p>
+            <a:r>
+              <a:rPr lang="en-US" dirty="0" smtClean="0"/>
+              <a:t>Configures the routes of all the micro services</a:t>
+            </a:r>
+            <a:endParaRPr lang="en-US" dirty="0"/>
+          </a:p>
+        </p:txBody>
+      </p:sp>
+      <p:sp>
+        <p:nvSpPr>
+          <p:cNvPr id="4" name="Content Placeholder 3"/>
+          <p:cNvSpPr>
+            <a:spLocks noGrp="1"/>
+          </p:cNvSpPr>
+          <p:nvPr>
+            <p:ph sz="half" idx="2"/>
+          </p:nvPr>
+        </p:nvSpPr>
+        <p:spPr>
+          <a:xfrm>
+            <a:off x="6172200" y="2194559"/>
+            <a:ext cx="6019800" cy="4663441"/>
+          </a:xfrm>
+        </p:spPr>
+        <p:txBody>
+          <a:bodyPr/>
+          <a:lstStyle/>
+          <a:p>
+            <a:endParaRPr lang="en-IN" dirty="0"/>
+          </a:p>
+        </p:txBody>
+      </p:sp>
+      <p:pic>
+        <p:nvPicPr>
+          <p:cNvPr id="6" name="Picture 5"/>
+          <p:cNvPicPr>
+            <a:picLocks noChangeAspect="1"/>
+          </p:cNvPicPr>
+          <p:nvPr/>
+        </p:nvPicPr>
+        <p:blipFill>
+          <a:blip r:embed="rId2"/>
+          <a:stretch>
+            <a:fillRect/>
+          </a:stretch>
+        </p:blipFill>
+        <p:spPr>
+          <a:xfrm>
+            <a:off x="6172200" y="2194558"/>
+            <a:ext cx="5403448" cy="3305489"/>
+          </a:xfrm>
+          <a:prstGeom prst="rect">
+            <a:avLst/>
+          </a:prstGeom>
+        </p:spPr>
+      </p:pic>
+    </p:spTree>
+    <p:extLst>
+      <p:ext uri="{BB962C8B-B14F-4D97-AF65-F5344CB8AC3E}">
+        <p14:creationId xmlns:p14="http://schemas.microsoft.com/office/powerpoint/2010/main" val="2687771501"/>
+      </p:ext>
+    </p:extLst>
+  </p:cSld>
+  <p:clrMapOvr>
+    <a:masterClrMapping/>
+  </p:clrMapOvr>
+  <p:timing>
+    <p:tnLst>
+      <p:par>
+        <p:cTn id="1" dur="indefinite" restart="never" nodeType="tmRoot"/>
+      </p:par>
+    </p:tnLst>
+  </p:timing>
+</p:sld>
+</file>
+
+<file path=ppt/slides/slide9.xml><?xml version="1.0" encoding="utf-8"?>
+<p:sld xmlns:a="http://schemas.openxmlformats.org/drawingml/2006/main" xmlns:r="http://schemas.openxmlformats.org/officeDocument/2006/relationships" xmlns:p="http://schemas.openxmlformats.org/presentationml/2006/main">
+  <p:cSld>
+    <p:spTree>
+      <p:nvGrpSpPr>
+        <p:cNvPr id="1" name=""/>
+        <p:cNvGrpSpPr/>
+        <p:nvPr/>
+      </p:nvGrpSpPr>
+      <p:grpSpPr>
+        <a:xfrm>
+          <a:off x="0" y="0"/>
+          <a:ext cx="0" cy="0"/>
+          <a:chOff x="0" y="0"/>
+          <a:chExt cx="0" cy="0"/>
+        </a:xfrm>
+      </p:grpSpPr>
+      <p:sp>
+        <p:nvSpPr>
+          <p:cNvPr id="2" name="Title 1"/>
+          <p:cNvSpPr>
+            <a:spLocks noGrp="1"/>
+          </p:cNvSpPr>
+          <p:nvPr>
+            <p:ph type="title"/>
+          </p:nvPr>
+        </p:nvSpPr>
+        <p:spPr>
+          <a:xfrm>
+            <a:off x="2895600" y="546008"/>
+            <a:ext cx="8610600" cy="1293028"/>
+          </a:xfrm>
+        </p:spPr>
+        <p:txBody>
+          <a:bodyPr/>
+          <a:lstStyle/>
+          <a:p>
+            <a:r>
+              <a:rPr lang="en-US" dirty="0" smtClean="0"/>
+              <a:t>Eureka Server</a:t>
+            </a:r>
+            <a:endParaRPr lang="en-IN" dirty="0"/>
+          </a:p>
+        </p:txBody>
+      </p:sp>
+      <p:sp>
+        <p:nvSpPr>
+          <p:cNvPr id="3" name="Content Placeholder 2"/>
+          <p:cNvSpPr>
+            <a:spLocks noGrp="1"/>
+          </p:cNvSpPr>
+          <p:nvPr>
+            <p:ph sz="half" idx="1"/>
+          </p:nvPr>
+        </p:nvSpPr>
+        <p:spPr>
+          <a:xfrm>
+            <a:off x="0" y="2194559"/>
+            <a:ext cx="6019800" cy="4765799"/>
+          </a:xfrm>
+        </p:spPr>
+        <p:txBody>
+          <a:bodyPr/>
+          <a:lstStyle/>
+          <a:p>
+            <a:pPr marL="0" indent="0">
+              <a:buNone/>
+            </a:pPr>
+            <a:r>
+              <a:rPr lang="en-US" dirty="0" smtClean="0"/>
+              <a:t>Purpose: </a:t>
+            </a:r>
+          </a:p>
+          <a:p>
+            <a:r>
+              <a:rPr lang="en-US" dirty="0" smtClean="0"/>
+              <a:t>Does not register itself as a microservice</a:t>
+            </a:r>
+          </a:p>
+          <a:p>
+            <a:r>
+              <a:rPr lang="en-US" dirty="0" smtClean="0"/>
+              <a:t>Rather, works as service discovery</a:t>
+            </a:r>
+          </a:p>
+          <a:p>
+            <a:r>
+              <a:rPr lang="en-US" dirty="0" smtClean="0"/>
+              <a:t>In simpler terms, keeps a track of all microservices present in the backend module. </a:t>
+            </a:r>
+          </a:p>
+          <a:p>
+            <a:endParaRPr lang="en-US" dirty="0"/>
+          </a:p>
+          <a:p>
+            <a:pPr marL="0" indent="0">
+              <a:buNone/>
+            </a:pPr>
+            <a:r>
+              <a:rPr lang="en-US" dirty="0" smtClean="0"/>
+              <a:t>The annotation @EnableEurekaServer is implemented.</a:t>
+            </a:r>
+            <a:endParaRPr lang="en-IN" dirty="0"/>
+          </a:p>
+        </p:txBody>
+      </p:sp>
+      <p:pic>
+        <p:nvPicPr>
+          <p:cNvPr id="5" name="Content Placeholder 4"/>
+          <p:cNvPicPr>
+            <a:picLocks noGrp="1" noChangeAspect="1"/>
+          </p:cNvPicPr>
+          <p:nvPr>
+            <p:ph sz="half" idx="2"/>
+          </p:nvPr>
+        </p:nvPicPr>
+        <p:blipFill>
+          <a:blip r:embed="rId2">
+            <a:extLst>
+              <a:ext uri="{28A0092B-C50C-407E-A947-70E740481C1C}">
+                <a14:useLocalDpi xmlns:a14="http://schemas.microsoft.com/office/drawing/2010/main" val="0"/>
+              </a:ext>
+            </a:extLst>
+          </a:blip>
+          <a:stretch>
+            <a:fillRect/>
+          </a:stretch>
+        </p:blipFill>
+        <p:spPr>
+          <a:xfrm>
+            <a:off x="6395648" y="2057401"/>
+            <a:ext cx="5572903" cy="2554862"/>
+          </a:xfrm>
+        </p:spPr>
+      </p:pic>
+      <p:pic>
+        <p:nvPicPr>
+          <p:cNvPr id="6" name="Picture 5"/>
+          <p:cNvPicPr>
+            <a:picLocks noChangeAspect="1"/>
+          </p:cNvPicPr>
+          <p:nvPr/>
+        </p:nvPicPr>
+        <p:blipFill>
+          <a:blip r:embed="rId3"/>
+          <a:stretch>
+            <a:fillRect/>
+          </a:stretch>
+        </p:blipFill>
+        <p:spPr>
+          <a:xfrm>
+            <a:off x="7862246" y="4830628"/>
+            <a:ext cx="3083257" cy="1647825"/>
+          </a:xfrm>
+          <a:prstGeom prst="rect">
+            <a:avLst/>
+          </a:prstGeom>
+        </p:spPr>
+      </p:pic>
+    </p:spTree>
+    <p:extLst>
+      <p:ext uri="{BB962C8B-B14F-4D97-AF65-F5344CB8AC3E}">
+        <p14:creationId xmlns:p14="http://schemas.microsoft.com/office/powerpoint/2010/main" val="2765098056"/>
+      </p:ext>
+    </p:extLst>
+  </p:cSld>
+  <p:clrMapOvr>
+    <a:masterClrMapping/>
+  </p:clrMapOvr>
+  <p:timing>
+    <p:tnLst>
+      <p:par>
+        <p:cTn id="1" dur="indefinite" restart="never" nodeType="tmRoot"/>
+      </p:par>
+    </p:tnLst>
+  </p:timing>
 </p:sld>
 </file>
 

--- a/RideBookingApplication.pptx
+++ b/RideBookingApplication.pptx
@@ -17,8 +17,9 @@
     <p:sldId id="264" r:id="rId11"/>
     <p:sldId id="265" r:id="rId12"/>
     <p:sldId id="268" r:id="rId13"/>
-    <p:sldId id="266" r:id="rId14"/>
-    <p:sldId id="269" r:id="rId15"/>
+    <p:sldId id="270" r:id="rId14"/>
+    <p:sldId id="266" r:id="rId15"/>
+    <p:sldId id="269" r:id="rId16"/>
   </p:sldIdLst>
   <p:sldSz cx="12192000" cy="6858000"/>
   <p:notesSz cx="6858000" cy="9144000"/>
@@ -295,7 +296,7 @@
           <a:p>
             <a:fld id="{000EFD90-4C08-4AA0-B23F-31C50BF1DAEC}" type="datetimeFigureOut">
               <a:rPr lang="en-IN" smtClean="0"/>
-              <a:t>15-08-2023</a:t>
+              <a:t>16-08-2023</a:t>
             </a:fld>
             <a:endParaRPr lang="en-IN"/>
           </a:p>
@@ -562,7 +563,7 @@
           <a:p>
             <a:fld id="{000EFD90-4C08-4AA0-B23F-31C50BF1DAEC}" type="datetimeFigureOut">
               <a:rPr lang="en-IN" smtClean="0"/>
-              <a:t>15-08-2023</a:t>
+              <a:t>16-08-2023</a:t>
             </a:fld>
             <a:endParaRPr lang="en-IN"/>
           </a:p>
@@ -793,7 +794,7 @@
           <a:p>
             <a:fld id="{000EFD90-4C08-4AA0-B23F-31C50BF1DAEC}" type="datetimeFigureOut">
               <a:rPr lang="en-IN" smtClean="0"/>
-              <a:t>15-08-2023</a:t>
+              <a:t>16-08-2023</a:t>
             </a:fld>
             <a:endParaRPr lang="en-IN"/>
           </a:p>
@@ -1103,7 +1104,7 @@
           <a:p>
             <a:fld id="{000EFD90-4C08-4AA0-B23F-31C50BF1DAEC}" type="datetimeFigureOut">
               <a:rPr lang="en-IN" smtClean="0"/>
-              <a:t>15-08-2023</a:t>
+              <a:t>16-08-2023</a:t>
             </a:fld>
             <a:endParaRPr lang="en-IN"/>
           </a:p>
@@ -1576,7 +1577,7 @@
           <a:p>
             <a:fld id="{000EFD90-4C08-4AA0-B23F-31C50BF1DAEC}" type="datetimeFigureOut">
               <a:rPr lang="en-IN" smtClean="0"/>
-              <a:t>15-08-2023</a:t>
+              <a:t>16-08-2023</a:t>
             </a:fld>
             <a:endParaRPr lang="en-IN"/>
           </a:p>
@@ -2123,7 +2124,7 @@
           <a:p>
             <a:fld id="{000EFD90-4C08-4AA0-B23F-31C50BF1DAEC}" type="datetimeFigureOut">
               <a:rPr lang="en-IN" smtClean="0"/>
-              <a:t>15-08-2023</a:t>
+              <a:t>16-08-2023</a:t>
             </a:fld>
             <a:endParaRPr lang="en-IN"/>
           </a:p>
@@ -2897,7 +2898,7 @@
           <a:p>
             <a:fld id="{000EFD90-4C08-4AA0-B23F-31C50BF1DAEC}" type="datetimeFigureOut">
               <a:rPr lang="en-IN" smtClean="0"/>
-              <a:t>15-08-2023</a:t>
+              <a:t>16-08-2023</a:t>
             </a:fld>
             <a:endParaRPr lang="en-IN"/>
           </a:p>
@@ -3072,7 +3073,7 @@
           <a:p>
             <a:fld id="{000EFD90-4C08-4AA0-B23F-31C50BF1DAEC}" type="datetimeFigureOut">
               <a:rPr lang="en-IN" smtClean="0"/>
-              <a:t>15-08-2023</a:t>
+              <a:t>16-08-2023</a:t>
             </a:fld>
             <a:endParaRPr lang="en-IN"/>
           </a:p>
@@ -3295,7 +3296,7 @@
           <a:p>
             <a:fld id="{000EFD90-4C08-4AA0-B23F-31C50BF1DAEC}" type="datetimeFigureOut">
               <a:rPr lang="en-IN" smtClean="0"/>
-              <a:t>15-08-2023</a:t>
+              <a:t>16-08-2023</a:t>
             </a:fld>
             <a:endParaRPr lang="en-IN"/>
           </a:p>
@@ -3475,7 +3476,7 @@
           <a:p>
             <a:fld id="{000EFD90-4C08-4AA0-B23F-31C50BF1DAEC}" type="datetimeFigureOut">
               <a:rPr lang="en-IN" smtClean="0"/>
-              <a:t>15-08-2023</a:t>
+              <a:t>16-08-2023</a:t>
             </a:fld>
             <a:endParaRPr lang="en-IN"/>
           </a:p>
@@ -3764,7 +3765,7 @@
           <a:p>
             <a:fld id="{000EFD90-4C08-4AA0-B23F-31C50BF1DAEC}" type="datetimeFigureOut">
               <a:rPr lang="en-IN" smtClean="0"/>
-              <a:t>15-08-2023</a:t>
+              <a:t>16-08-2023</a:t>
             </a:fld>
             <a:endParaRPr lang="en-IN"/>
           </a:p>
@@ -4006,7 +4007,7 @@
           <a:p>
             <a:fld id="{000EFD90-4C08-4AA0-B23F-31C50BF1DAEC}" type="datetimeFigureOut">
               <a:rPr lang="en-IN" smtClean="0"/>
-              <a:t>15-08-2023</a:t>
+              <a:t>16-08-2023</a:t>
             </a:fld>
             <a:endParaRPr lang="en-IN"/>
           </a:p>
@@ -4385,7 +4386,7 @@
           <a:p>
             <a:fld id="{000EFD90-4C08-4AA0-B23F-31C50BF1DAEC}" type="datetimeFigureOut">
               <a:rPr lang="en-IN" smtClean="0"/>
-              <a:t>15-08-2023</a:t>
+              <a:t>16-08-2023</a:t>
             </a:fld>
             <a:endParaRPr lang="en-IN"/>
           </a:p>
@@ -4503,7 +4504,7 @@
           <a:p>
             <a:fld id="{000EFD90-4C08-4AA0-B23F-31C50BF1DAEC}" type="datetimeFigureOut">
               <a:rPr lang="en-IN" smtClean="0"/>
-              <a:t>15-08-2023</a:t>
+              <a:t>16-08-2023</a:t>
             </a:fld>
             <a:endParaRPr lang="en-IN"/>
           </a:p>
@@ -4598,7 +4599,7 @@
           <a:p>
             <a:fld id="{000EFD90-4C08-4AA0-B23F-31C50BF1DAEC}" type="datetimeFigureOut">
               <a:rPr lang="en-IN" smtClean="0"/>
-              <a:t>15-08-2023</a:t>
+              <a:t>16-08-2023</a:t>
             </a:fld>
             <a:endParaRPr lang="en-IN"/>
           </a:p>
@@ -4847,7 +4848,7 @@
           <a:p>
             <a:fld id="{000EFD90-4C08-4AA0-B23F-31C50BF1DAEC}" type="datetimeFigureOut">
               <a:rPr lang="en-IN" smtClean="0"/>
-              <a:t>15-08-2023</a:t>
+              <a:t>16-08-2023</a:t>
             </a:fld>
             <a:endParaRPr lang="en-IN"/>
           </a:p>
@@ -5104,7 +5105,7 @@
           <a:p>
             <a:fld id="{000EFD90-4C08-4AA0-B23F-31C50BF1DAEC}" type="datetimeFigureOut">
               <a:rPr lang="en-IN" smtClean="0"/>
-              <a:t>15-08-2023</a:t>
+              <a:t>16-08-2023</a:t>
             </a:fld>
             <a:endParaRPr lang="en-IN"/>
           </a:p>
@@ -5347,7 +5348,7 @@
           <a:p>
             <a:fld id="{000EFD90-4C08-4AA0-B23F-31C50BF1DAEC}" type="datetimeFigureOut">
               <a:rPr lang="en-IN" smtClean="0"/>
-              <a:t>15-08-2023</a:t>
+              <a:t>16-08-2023</a:t>
             </a:fld>
             <a:endParaRPr lang="en-IN"/>
           </a:p>
@@ -6479,6 +6480,13 @@
   <p:clrMapOvr>
     <a:masterClrMapping/>
   </p:clrMapOvr>
+  <p:timing>
+    <p:tnLst>
+      <p:par>
+        <p:cTn id="1" dur="indefinite" restart="never" nodeType="tmRoot"/>
+      </p:par>
+    </p:tnLst>
+  </p:timing>
 </p:sld>
 </file>
 
@@ -6516,42 +6524,380 @@
           <a:p>
             <a:r>
               <a:rPr lang="en-US" dirty="0" smtClean="0"/>
-              <a:t>PROJECT FLOW</a:t>
+              <a:t>IN MY PROJECT</a:t>
             </a:r>
             <a:endParaRPr lang="en-IN" dirty="0"/>
           </a:p>
         </p:txBody>
       </p:sp>
-      <p:pic>
-        <p:nvPicPr>
-          <p:cNvPr id="4" name="Content Placeholder 3"/>
-          <p:cNvPicPr>
-            <a:picLocks noGrp="1" noChangeAspect="1"/>
-          </p:cNvPicPr>
-          <p:nvPr>
-            <p:ph idx="1"/>
-          </p:nvPr>
-        </p:nvPicPr>
-        <p:blipFill>
-          <a:blip r:embed="rId2"/>
-          <a:stretch>
-            <a:fillRect/>
-          </a:stretch>
-        </p:blipFill>
-        <p:spPr>
-          <a:xfrm>
-            <a:off x="685800" y="2057401"/>
-            <a:ext cx="10820400" cy="4589059"/>
-          </a:xfrm>
-          <a:prstGeom prst="rect">
+      <p:sp>
+        <p:nvSpPr>
+          <p:cNvPr id="3" name="Text Placeholder 2"/>
+          <p:cNvSpPr>
+            <a:spLocks noGrp="1"/>
+          </p:cNvSpPr>
+          <p:nvPr>
+            <p:ph type="body" idx="1"/>
+          </p:nvPr>
+        </p:nvSpPr>
+        <p:spPr/>
+        <p:txBody>
+          <a:bodyPr/>
+          <a:lstStyle/>
+          <a:p>
+            <a:pPr algn="ctr"/>
+            <a:r>
+              <a:rPr lang="en-US" dirty="0" smtClean="0"/>
+              <a:t>COMPONENTS</a:t>
+            </a:r>
+            <a:endParaRPr lang="en-IN" dirty="0"/>
+          </a:p>
+        </p:txBody>
+      </p:sp>
+      <p:sp>
+        <p:nvSpPr>
+          <p:cNvPr id="4" name="Text Placeholder 3"/>
+          <p:cNvSpPr>
+            <a:spLocks noGrp="1"/>
+          </p:cNvSpPr>
+          <p:nvPr>
+            <p:ph type="body" sz="half" idx="15"/>
+          </p:nvPr>
+        </p:nvSpPr>
+        <p:spPr/>
+        <p:txBody>
+          <a:bodyPr>
+            <a:normAutofit/>
+          </a:bodyPr>
+          <a:lstStyle/>
+          <a:p>
+            <a:pPr marL="457200" indent="-457200">
+              <a:buFont typeface="+mj-lt"/>
+              <a:buAutoNum type="arabicPeriod"/>
+            </a:pPr>
+            <a:r>
+              <a:rPr lang="en-US" sz="2000" dirty="0" smtClean="0"/>
+              <a:t>Header Component</a:t>
+            </a:r>
+          </a:p>
+          <a:p>
+            <a:pPr marL="457200" indent="-457200">
+              <a:buFont typeface="+mj-lt"/>
+              <a:buAutoNum type="arabicPeriod"/>
+            </a:pPr>
+            <a:r>
+              <a:rPr lang="en-US" sz="2000" dirty="0" smtClean="0"/>
+              <a:t>Register </a:t>
+            </a:r>
+            <a:r>
+              <a:rPr lang="en-US" sz="2000" dirty="0"/>
+              <a:t>Component</a:t>
+            </a:r>
+          </a:p>
+          <a:p>
+            <a:pPr marL="457200" indent="-457200">
+              <a:buFont typeface="+mj-lt"/>
+              <a:buAutoNum type="arabicPeriod"/>
+            </a:pPr>
+            <a:r>
+              <a:rPr lang="en-US" sz="2000" dirty="0" smtClean="0"/>
+              <a:t>Login </a:t>
+            </a:r>
+            <a:r>
+              <a:rPr lang="en-US" sz="2000" dirty="0"/>
+              <a:t>Component</a:t>
+            </a:r>
+          </a:p>
+          <a:p>
+            <a:pPr marL="457200" indent="-457200">
+              <a:buFont typeface="+mj-lt"/>
+              <a:buAutoNum type="arabicPeriod"/>
+            </a:pPr>
+            <a:r>
+              <a:rPr lang="en-US" sz="2000" dirty="0" smtClean="0"/>
+              <a:t>Booking </a:t>
+            </a:r>
+            <a:r>
+              <a:rPr lang="en-US" sz="2000" dirty="0"/>
+              <a:t>Component</a:t>
+            </a:r>
+          </a:p>
+          <a:p>
+            <a:pPr marL="457200" indent="-457200">
+              <a:buFont typeface="+mj-lt"/>
+              <a:buAutoNum type="arabicPeriod"/>
+            </a:pPr>
+            <a:r>
+              <a:rPr lang="en-US" sz="2000" dirty="0" smtClean="0"/>
+              <a:t>Booking History Component</a:t>
+            </a:r>
+          </a:p>
+          <a:p>
+            <a:pPr marL="457200" indent="-457200">
+              <a:buFont typeface="+mj-lt"/>
+              <a:buAutoNum type="arabicPeriod"/>
+            </a:pPr>
+            <a:r>
+              <a:rPr lang="en-US" sz="2000" dirty="0" smtClean="0"/>
+              <a:t>Footer </a:t>
+            </a:r>
+            <a:r>
+              <a:rPr lang="en-US" sz="2000" dirty="0"/>
+              <a:t>Component</a:t>
+            </a:r>
+          </a:p>
+          <a:p>
+            <a:endParaRPr lang="en-IN" sz="2000" dirty="0"/>
+          </a:p>
+        </p:txBody>
+      </p:sp>
+      <p:sp>
+        <p:nvSpPr>
+          <p:cNvPr id="5" name="Text Placeholder 4"/>
+          <p:cNvSpPr>
+            <a:spLocks noGrp="1"/>
+          </p:cNvSpPr>
+          <p:nvPr>
+            <p:ph type="body" sz="quarter" idx="3"/>
+          </p:nvPr>
+        </p:nvSpPr>
+        <p:spPr/>
+        <p:txBody>
+          <a:bodyPr/>
+          <a:lstStyle/>
+          <a:p>
+            <a:pPr algn="ctr"/>
+            <a:r>
+              <a:rPr lang="en-US" dirty="0" smtClean="0"/>
+              <a:t>MODELS &amp; SERVICES</a:t>
+            </a:r>
+            <a:endParaRPr lang="en-IN" dirty="0"/>
+          </a:p>
+        </p:txBody>
+      </p:sp>
+      <p:sp>
+        <p:nvSpPr>
+          <p:cNvPr id="6" name="Text Placeholder 5"/>
+          <p:cNvSpPr>
+            <a:spLocks noGrp="1"/>
+          </p:cNvSpPr>
+          <p:nvPr>
+            <p:ph type="body" sz="half" idx="16"/>
+          </p:nvPr>
+        </p:nvSpPr>
+        <p:spPr>
+          <a:xfrm>
+            <a:off x="4142231" y="2904066"/>
+            <a:ext cx="3681059" cy="3953933"/>
+          </a:xfrm>
+        </p:spPr>
+        <p:txBody>
+          <a:bodyPr>
+            <a:normAutofit lnSpcReduction="10000"/>
+          </a:bodyPr>
+          <a:lstStyle/>
+          <a:p>
+            <a:r>
+              <a:rPr lang="en-US" sz="2000" dirty="0" smtClean="0"/>
+              <a:t>Models:</a:t>
+            </a:r>
+          </a:p>
+          <a:p>
+            <a:pPr marL="457200" indent="-457200">
+              <a:buAutoNum type="arabicPeriod"/>
+            </a:pPr>
+            <a:r>
+              <a:rPr lang="en-US" sz="2000" dirty="0" smtClean="0"/>
+              <a:t>User Model: Fields are id, full-name, contact, email &amp; password</a:t>
+            </a:r>
+          </a:p>
+          <a:p>
+            <a:pPr marL="457200" indent="-457200">
+              <a:buAutoNum type="arabicPeriod"/>
+            </a:pPr>
+            <a:r>
+              <a:rPr lang="en-US" sz="2000" dirty="0" smtClean="0"/>
+              <a:t>Booking Model: Fields are id, pick-up-location, drop-location, vehicle-type, distance-travelled, cost-of-ride</a:t>
+            </a:r>
+          </a:p>
+          <a:p>
+            <a:r>
+              <a:rPr lang="en-US" sz="2000" dirty="0" smtClean="0"/>
+              <a:t>Services:</a:t>
+            </a:r>
+          </a:p>
+          <a:p>
+            <a:pPr marL="457200" indent="-457200">
+              <a:buAutoNum type="arabicPeriod"/>
+            </a:pPr>
+            <a:r>
+              <a:rPr lang="en-US" sz="2000" dirty="0" smtClean="0"/>
+              <a:t>User Service</a:t>
+            </a:r>
+          </a:p>
+          <a:p>
+            <a:pPr marL="457200" indent="-457200">
+              <a:buAutoNum type="arabicPeriod"/>
+            </a:pPr>
+            <a:r>
+              <a:rPr lang="en-US" sz="2000" dirty="0" smtClean="0"/>
+              <a:t>Booking Service</a:t>
+            </a:r>
+            <a:endParaRPr lang="en-IN" sz="2000" dirty="0"/>
+          </a:p>
+        </p:txBody>
+      </p:sp>
+      <p:sp>
+        <p:nvSpPr>
+          <p:cNvPr id="7" name="Text Placeholder 6"/>
+          <p:cNvSpPr>
+            <a:spLocks noGrp="1"/>
+          </p:cNvSpPr>
+          <p:nvPr>
+            <p:ph type="body" sz="quarter" idx="13"/>
+          </p:nvPr>
+        </p:nvSpPr>
+        <p:spPr/>
+        <p:txBody>
+          <a:bodyPr/>
+          <a:lstStyle/>
+          <a:p>
+            <a:pPr algn="ctr"/>
+            <a:r>
+              <a:rPr lang="en-US" dirty="0" smtClean="0"/>
+              <a:t>APIs</a:t>
+            </a:r>
+            <a:endParaRPr lang="en-IN" dirty="0"/>
+          </a:p>
+        </p:txBody>
+      </p:sp>
+      <p:sp>
+        <p:nvSpPr>
+          <p:cNvPr id="8" name="Text Placeholder 7"/>
+          <p:cNvSpPr>
+            <a:spLocks noGrp="1"/>
+          </p:cNvSpPr>
+          <p:nvPr>
+            <p:ph type="body" sz="half" idx="17"/>
+          </p:nvPr>
+        </p:nvSpPr>
+        <p:spPr/>
+        <p:txBody>
+          <a:bodyPr>
+            <a:normAutofit/>
+          </a:bodyPr>
+          <a:lstStyle/>
+          <a:p>
+            <a:r>
+              <a:rPr lang="en-US" sz="2000" dirty="0" smtClean="0"/>
+              <a:t>1. cab-</a:t>
+            </a:r>
+            <a:r>
+              <a:rPr lang="en-US" sz="2000" dirty="0" err="1" smtClean="0"/>
+              <a:t>users.json</a:t>
+            </a:r>
+            <a:r>
+              <a:rPr lang="en-US" sz="2000" dirty="0" smtClean="0"/>
+              <a:t> </a:t>
+            </a:r>
+          </a:p>
+          <a:p>
+            <a:r>
+              <a:rPr lang="en-US" sz="2000" dirty="0" smtClean="0"/>
+              <a:t> (running on port 3000)</a:t>
+            </a:r>
+          </a:p>
+          <a:p>
+            <a:pPr marL="457200" indent="-457200">
+              <a:buAutoNum type="arabicPeriod" startAt="2"/>
+            </a:pPr>
+            <a:r>
+              <a:rPr lang="en-US" sz="2000" dirty="0" smtClean="0"/>
+              <a:t>bookings.json</a:t>
+            </a:r>
+          </a:p>
+          <a:p>
+            <a:r>
+              <a:rPr lang="en-US" sz="2000" dirty="0" smtClean="0"/>
+              <a:t> (running on port 3002)</a:t>
+            </a:r>
+          </a:p>
+        </p:txBody>
+      </p:sp>
+      <p:cxnSp>
+        <p:nvCxnSpPr>
+          <p:cNvPr id="10" name="Straight Connector 9"/>
+          <p:cNvCxnSpPr/>
+          <p:nvPr/>
+        </p:nvCxnSpPr>
+        <p:spPr>
+          <a:xfrm flipH="1" flipV="1">
+            <a:off x="3944203" y="1760561"/>
+            <a:ext cx="13648" cy="5097438"/>
+          </a:xfrm>
+          <a:prstGeom prst="line">
             <a:avLst/>
           </a:prstGeom>
-        </p:spPr>
-      </p:pic>
+          <a:ln>
+            <a:solidFill>
+              <a:schemeClr val="tx1"/>
+            </a:solidFill>
+          </a:ln>
+        </p:spPr>
+        <p:style>
+          <a:lnRef idx="1">
+            <a:schemeClr val="accent1"/>
+          </a:lnRef>
+          <a:fillRef idx="0">
+            <a:schemeClr val="accent1"/>
+          </a:fillRef>
+          <a:effectRef idx="0">
+            <a:schemeClr val="accent1"/>
+          </a:effectRef>
+          <a:fontRef idx="minor">
+            <a:schemeClr val="tx1"/>
+          </a:fontRef>
+        </p:style>
+      </p:cxnSp>
+      <p:cxnSp>
+        <p:nvCxnSpPr>
+          <p:cNvPr id="13" name="Straight Connector 12"/>
+          <p:cNvCxnSpPr/>
+          <p:nvPr/>
+        </p:nvCxnSpPr>
+        <p:spPr>
+          <a:xfrm>
+            <a:off x="7823290" y="1869743"/>
+            <a:ext cx="0" cy="4988257"/>
+          </a:xfrm>
+          <a:prstGeom prst="line">
+            <a:avLst/>
+          </a:prstGeom>
+          <a:ln>
+            <a:solidFill>
+              <a:schemeClr val="tx1"/>
+            </a:solidFill>
+          </a:ln>
+        </p:spPr>
+        <p:style>
+          <a:lnRef idx="1">
+            <a:schemeClr val="accent1"/>
+          </a:lnRef>
+          <a:fillRef idx="0">
+            <a:schemeClr val="accent1"/>
+          </a:fillRef>
+          <a:effectRef idx="0">
+            <a:schemeClr val="accent1"/>
+          </a:effectRef>
+          <a:fontRef idx="minor">
+            <a:schemeClr val="tx1"/>
+          </a:fontRef>
+        </p:style>
+      </p:cxnSp>
     </p:spTree>
     <p:extLst>
       <p:ext uri="{BB962C8B-B14F-4D97-AF65-F5344CB8AC3E}">
-        <p14:creationId xmlns:p14="http://schemas.microsoft.com/office/powerpoint/2010/main" val="2404675685"/>
+        <p14:creationId xmlns:p14="http://schemas.microsoft.com/office/powerpoint/2010/main" val="2221277731"/>
       </p:ext>
     </p:extLst>
   </p:cSld>
@@ -6595,6 +6941,92 @@
             <p:ph type="title"/>
           </p:nvPr>
         </p:nvSpPr>
+        <p:spPr/>
+        <p:txBody>
+          <a:bodyPr/>
+          <a:lstStyle/>
+          <a:p>
+            <a:r>
+              <a:rPr lang="en-US" dirty="0" smtClean="0"/>
+              <a:t>PROJECT FLOW</a:t>
+            </a:r>
+            <a:endParaRPr lang="en-IN" dirty="0"/>
+          </a:p>
+        </p:txBody>
+      </p:sp>
+      <p:pic>
+        <p:nvPicPr>
+          <p:cNvPr id="4" name="Content Placeholder 3"/>
+          <p:cNvPicPr>
+            <a:picLocks noGrp="1" noChangeAspect="1"/>
+          </p:cNvPicPr>
+          <p:nvPr>
+            <p:ph idx="1"/>
+          </p:nvPr>
+        </p:nvPicPr>
+        <p:blipFill>
+          <a:blip r:embed="rId2"/>
+          <a:stretch>
+            <a:fillRect/>
+          </a:stretch>
+        </p:blipFill>
+        <p:spPr>
+          <a:xfrm>
+            <a:off x="685800" y="2057401"/>
+            <a:ext cx="10820400" cy="4589059"/>
+          </a:xfrm>
+          <a:prstGeom prst="rect">
+            <a:avLst/>
+          </a:prstGeom>
+        </p:spPr>
+      </p:pic>
+    </p:spTree>
+    <p:extLst>
+      <p:ext uri="{BB962C8B-B14F-4D97-AF65-F5344CB8AC3E}">
+        <p14:creationId xmlns:p14="http://schemas.microsoft.com/office/powerpoint/2010/main" val="2404675685"/>
+      </p:ext>
+    </p:extLst>
+  </p:cSld>
+  <p:clrMapOvr>
+    <a:masterClrMapping/>
+  </p:clrMapOvr>
+  <p:timing>
+    <p:tnLst>
+      <p:par>
+        <p:cTn id="1" dur="indefinite" restart="never" nodeType="tmRoot"/>
+      </p:par>
+    </p:tnLst>
+  </p:timing>
+</p:sld>
+</file>
+
+<file path=ppt/slides/slide15.xml><?xml version="1.0" encoding="utf-8"?>
+<p:sld xmlns:a="http://schemas.openxmlformats.org/drawingml/2006/main" xmlns:r="http://schemas.openxmlformats.org/officeDocument/2006/relationships" xmlns:p="http://schemas.openxmlformats.org/presentationml/2006/main">
+  <p:cSld>
+    <p:spTree>
+      <p:nvGrpSpPr>
+        <p:cNvPr id="1" name=""/>
+        <p:cNvGrpSpPr/>
+        <p:nvPr/>
+      </p:nvGrpSpPr>
+      <p:grpSpPr>
+        <a:xfrm>
+          <a:off x="0" y="0"/>
+          <a:ext cx="0" cy="0"/>
+          <a:chOff x="0" y="0"/>
+          <a:chExt cx="0" cy="0"/>
+        </a:xfrm>
+      </p:grpSpPr>
+      <p:sp>
+        <p:nvSpPr>
+          <p:cNvPr id="2" name="Title 1"/>
+          <p:cNvSpPr>
+            <a:spLocks noGrp="1"/>
+          </p:cNvSpPr>
+          <p:nvPr>
+            <p:ph type="title"/>
+          </p:nvPr>
+        </p:nvSpPr>
         <p:spPr>
           <a:xfrm>
             <a:off x="1517176" y="3043549"/>
@@ -6647,6 +7079,13 @@
   <p:clrMapOvr>
     <a:masterClrMapping/>
   </p:clrMapOvr>
+  <p:timing>
+    <p:tnLst>
+      <p:par>
+        <p:cTn id="1" dur="indefinite" restart="never" nodeType="tmRoot"/>
+      </p:par>
+    </p:tnLst>
+  </p:timing>
 </p:sld>
 </file>
 
@@ -7460,15 +7899,7 @@
           <a:p>
             <a:r>
               <a:rPr lang="en-US" dirty="0" smtClean="0"/>
-              <a:t>Implements Spring Boot as the </a:t>
-            </a:r>
-            <a:r>
-              <a:rPr lang="en-US" dirty="0" smtClean="0"/>
-              <a:t>microservice-based </a:t>
-            </a:r>
-            <a:r>
-              <a:rPr lang="en-US" dirty="0" smtClean="0"/>
-              <a:t>web framework</a:t>
+              <a:t>Implements Spring Boot as the microservice-based web framework</a:t>
             </a:r>
           </a:p>
           <a:p>
@@ -7554,15 +7985,7 @@
             </a:pPr>
             <a:r>
               <a:rPr lang="en-US" dirty="0" smtClean="0"/>
-              <a:t>All microservices are included as child </a:t>
-            </a:r>
-            <a:r>
-              <a:rPr lang="en-US" dirty="0" smtClean="0"/>
-              <a:t>modules to </a:t>
-            </a:r>
-            <a:r>
-              <a:rPr lang="en-US" dirty="0" smtClean="0"/>
-              <a:t>main application</a:t>
+              <a:t>All microservices are included as child modules to main application</a:t>
             </a:r>
             <a:endParaRPr lang="en-US" dirty="0"/>
           </a:p>
@@ -7858,15 +8281,7 @@
           <a:p>
             <a:r>
               <a:rPr lang="en-US" dirty="0" smtClean="0"/>
-              <a:t>Generates a </a:t>
-            </a:r>
-            <a:r>
-              <a:rPr lang="en-US" dirty="0" smtClean="0"/>
-              <a:t>JSON Web Token (JWT), </a:t>
-            </a:r>
-            <a:r>
-              <a:rPr lang="en-US" dirty="0" smtClean="0"/>
-              <a:t>whenever a registered user logs in</a:t>
+              <a:t>Generates a JSON Web Token (JWT), whenever a registered user logs in</a:t>
             </a:r>
           </a:p>
           <a:p>
@@ -8024,11 +8439,7 @@
           <a:p>
             <a:r>
               <a:rPr lang="en-US" dirty="0" smtClean="0"/>
-              <a:t>Remove one booking or list of all </a:t>
-            </a:r>
-            <a:r>
-              <a:rPr lang="en-US" dirty="0" smtClean="0"/>
-              <a:t>bookings</a:t>
+              <a:t>Remove one booking or list of all bookings</a:t>
             </a:r>
           </a:p>
           <a:p>
@@ -8036,7 +8447,6 @@
               <a:rPr lang="en-US" dirty="0" smtClean="0"/>
               <a:t>Validate the generated JWT</a:t>
             </a:r>
-            <a:endParaRPr lang="en-US" dirty="0" smtClean="0"/>
           </a:p>
           <a:p>
             <a:pPr marL="0" indent="0">
@@ -8212,21 +8622,13 @@
           <a:p>
             <a:r>
               <a:rPr lang="en-US" dirty="0" smtClean="0"/>
-              <a:t>All </a:t>
-            </a:r>
+              <a:t>All requests pass through API Gateway</a:t>
+            </a:r>
+          </a:p>
+          <a:p>
             <a:r>
               <a:rPr lang="en-US" dirty="0" smtClean="0"/>
-              <a:t>requests pass through API Gateway</a:t>
-            </a:r>
-          </a:p>
-          <a:p>
-            <a:r>
-              <a:rPr lang="en-US" dirty="0" smtClean="0"/>
-              <a:t>Provide a common port number for handling all </a:t>
-            </a:r>
-            <a:r>
-              <a:rPr lang="en-US" dirty="0" smtClean="0"/>
-              <a:t>requests</a:t>
+              <a:t>Provide a common port number for handling all requests</a:t>
             </a:r>
           </a:p>
           <a:p>
